--- a/C5_配布資料/0630_C-5 _発表資料.pptx
+++ b/C5_配布資料/0630_C-5 _発表資料.pptx
@@ -8301,7 +8301,7 @@
         </p:nvSpPr>
         <p:spPr>
           <a:xfrm>
-            <a:off x="5408503" y="210589"/>
+            <a:off x="5905606" y="125105"/>
             <a:ext cx="2866030" cy="900752"/>
           </a:xfrm>
           <a:prstGeom prst="roundRect">
@@ -8477,10 +8477,10 @@
       </p:sp>
       <p:sp>
         <p:nvSpPr>
-          <p:cNvPr id="17" name="矢印: 下 16">
+          <p:cNvPr id="18" name="矢印: 下 17">
             <a:extLst>
               <a:ext uri="{FF2B5EF4-FFF2-40B4-BE49-F238E27FC236}">
-                <a16:creationId xmlns:a16="http://schemas.microsoft.com/office/drawing/2014/main" id="{A5BEB06B-CC87-60F8-7845-BE0D38595310}"/>
+                <a16:creationId xmlns:a16="http://schemas.microsoft.com/office/drawing/2014/main" id="{7743698F-602B-6F3A-AEF8-48AACE2A2AC8}"/>
               </a:ext>
             </a:extLst>
           </p:cNvPr>
@@ -8488,8 +8488,8 @@
           <p:nvPr/>
         </p:nvSpPr>
         <p:spPr>
-          <a:xfrm rot="2885485">
-            <a:off x="9744063" y="2157489"/>
+          <a:xfrm rot="1618656">
+            <a:off x="5082647" y="753065"/>
             <a:ext cx="886264" cy="846038"/>
           </a:xfrm>
           <a:prstGeom prst="downArrow">
@@ -8529,10 +8529,81 @@
       </p:sp>
       <p:sp>
         <p:nvSpPr>
-          <p:cNvPr id="18" name="矢印: 下 17">
+          <p:cNvPr id="3" name="テキスト ボックス 2">
             <a:extLst>
               <a:ext uri="{FF2B5EF4-FFF2-40B4-BE49-F238E27FC236}">
-                <a16:creationId xmlns:a16="http://schemas.microsoft.com/office/drawing/2014/main" id="{7743698F-602B-6F3A-AEF8-48AACE2A2AC8}"/>
+                <a16:creationId xmlns:a16="http://schemas.microsoft.com/office/drawing/2014/main" id="{C9FD64D8-D882-2B65-2B51-9CEC8855178B}"/>
+              </a:ext>
+            </a:extLst>
+          </p:cNvPr>
+          <p:cNvSpPr txBox="1"/>
+          <p:nvPr/>
+        </p:nvSpPr>
+        <p:spPr>
+          <a:xfrm>
+            <a:off x="3617505" y="188650"/>
+            <a:ext cx="1804781" cy="369332"/>
+          </a:xfrm>
+          <a:prstGeom prst="rect">
+            <a:avLst/>
+          </a:prstGeom>
+          <a:noFill/>
+        </p:spPr>
+        <p:txBody>
+          <a:bodyPr wrap="square" rtlCol="0">
+            <a:spAutoFit/>
+          </a:bodyPr>
+          <a:lstStyle/>
+          <a:p>
+            <a:r>
+              <a:rPr kumimoji="1" lang="ja-JP" altLang="en-US" dirty="0"/>
+              <a:t>製作担当：全員</a:t>
+            </a:r>
+          </a:p>
+        </p:txBody>
+      </p:sp>
+      <p:pic>
+        <p:nvPicPr>
+          <p:cNvPr id="6" name="図 5" descr="黒いシャツを着ている少年&#10;&#10;自動的に生成された説明">
+            <a:extLst>
+              <a:ext uri="{FF2B5EF4-FFF2-40B4-BE49-F238E27FC236}">
+                <a16:creationId xmlns:a16="http://schemas.microsoft.com/office/drawing/2014/main" id="{C45C3ABE-6588-2499-5B0A-322E8F864779}"/>
+              </a:ext>
+            </a:extLst>
+          </p:cNvPr>
+          <p:cNvPicPr>
+            <a:picLocks noChangeAspect="1"/>
+          </p:cNvPicPr>
+          <p:nvPr/>
+        </p:nvPicPr>
+        <p:blipFill>
+          <a:blip r:embed="rId4">
+            <a:extLst>
+              <a:ext uri="{28A0092B-C50C-407E-A947-70E740481C1C}">
+                <a14:useLocalDpi xmlns:a14="http://schemas.microsoft.com/office/drawing/2010/main" val="0"/>
+              </a:ext>
+            </a:extLst>
+          </a:blip>
+          <a:stretch>
+            <a:fillRect/>
+          </a:stretch>
+        </p:blipFill>
+        <p:spPr>
+          <a:xfrm>
+            <a:off x="7315340" y="2211686"/>
+            <a:ext cx="2827541" cy="2076217"/>
+          </a:xfrm>
+          <a:prstGeom prst="rect">
+            <a:avLst/>
+          </a:prstGeom>
+        </p:spPr>
+      </p:pic>
+      <p:sp>
+        <p:nvSpPr>
+          <p:cNvPr id="17" name="矢印: 下 16">
+            <a:extLst>
+              <a:ext uri="{FF2B5EF4-FFF2-40B4-BE49-F238E27FC236}">
+                <a16:creationId xmlns:a16="http://schemas.microsoft.com/office/drawing/2014/main" id="{A5BEB06B-CC87-60F8-7845-BE0D38595310}"/>
               </a:ext>
             </a:extLst>
           </p:cNvPr>
@@ -8540,8 +8611,8 @@
           <p:nvPr/>
         </p:nvSpPr>
         <p:spPr>
-          <a:xfrm rot="1618656">
-            <a:off x="4532536" y="750688"/>
+          <a:xfrm rot="2885485">
+            <a:off x="9699749" y="2247931"/>
             <a:ext cx="886264" cy="846038"/>
           </a:xfrm>
           <a:prstGeom prst="downArrow">
@@ -8886,8 +8957,8 @@
       <p:bldP spid="25" grpId="0" animBg="1"/>
       <p:bldP spid="14" grpId="0" animBg="1"/>
       <p:bldP spid="16" grpId="0" animBg="1"/>
+      <p:bldP spid="18" grpId="0" animBg="1"/>
       <p:bldP spid="17" grpId="0" animBg="1"/>
-      <p:bldP spid="18" grpId="0" animBg="1"/>
     </p:bldLst>
   </p:timing>
 </p:sld>
@@ -8918,76 +8989,6 @@
           <a:chExt cx="0" cy="0"/>
         </a:xfrm>
       </p:grpSpPr>
-      <p:sp>
-        <p:nvSpPr>
-          <p:cNvPr id="2" name="タイトル 1">
-            <a:extLst>
-              <a:ext uri="{FF2B5EF4-FFF2-40B4-BE49-F238E27FC236}">
-                <a16:creationId xmlns:a16="http://schemas.microsoft.com/office/drawing/2014/main" id="{FD94F0BB-E56D-727C-2257-3C6B2EDB6E55}"/>
-              </a:ext>
-            </a:extLst>
-          </p:cNvPr>
-          <p:cNvSpPr>
-            <a:spLocks noGrp="1"/>
-          </p:cNvSpPr>
-          <p:nvPr>
-            <p:ph type="title"/>
-          </p:nvPr>
-        </p:nvSpPr>
-        <p:spPr>
-          <a:xfrm>
-            <a:off x="607100" y="161444"/>
-            <a:ext cx="8596668" cy="1259732"/>
-          </a:xfrm>
-        </p:spPr>
-        <p:txBody>
-          <a:bodyPr/>
-          <a:lstStyle/>
-          <a:p>
-            <a:r>
-              <a:rPr kumimoji="1" lang="ja-JP" altLang="en-US" sz="2400" b="0" i="0" u="none" strike="noStrike" kern="1200" cap="none" spc="0" normalizeH="0" baseline="0" noProof="0" dirty="0">
-                <a:ln>
-                  <a:noFill/>
-                </a:ln>
-                <a:solidFill>
-                  <a:schemeClr val="accent2"/>
-                </a:solidFill>
-                <a:effectLst/>
-                <a:uLnTx/>
-                <a:uFillTx/>
-                <a:latin typeface="Trebuchet MS" panose="020B0603020202020204"/>
-                <a:ea typeface="メイリオ" panose="020B0604030504040204" pitchFamily="50" charset="-128"/>
-                <a:cs typeface="+mj-cs"/>
-              </a:rPr>
-              <a:t>仕様</a:t>
-            </a:r>
-            <a:br>
-              <a:rPr kumimoji="1" lang="en-US" altLang="ja-JP" sz="2400" b="0" i="0" u="none" strike="noStrike" kern="1200" cap="none" spc="0" normalizeH="0" baseline="0" noProof="0" dirty="0">
-                <a:ln>
-                  <a:noFill/>
-                </a:ln>
-                <a:solidFill>
-                  <a:srgbClr val="5FCBEF"/>
-                </a:solidFill>
-                <a:effectLst/>
-                <a:uLnTx/>
-                <a:uFillTx/>
-                <a:latin typeface="Trebuchet MS" panose="020B0603020202020204"/>
-                <a:ea typeface="メイリオ" panose="020B0604030504040204" pitchFamily="50" charset="-128"/>
-                <a:cs typeface="+mj-cs"/>
-              </a:rPr>
-            </a:br>
-            <a:r>
-              <a:rPr kumimoji="1" lang="ja-JP" altLang="en-US" dirty="0">
-                <a:solidFill>
-                  <a:schemeClr val="tx1"/>
-                </a:solidFill>
-              </a:rPr>
-              <a:t>卒業ページ</a:t>
-            </a:r>
-          </a:p>
-        </p:txBody>
-      </p:sp>
       <p:pic>
         <p:nvPicPr>
           <p:cNvPr id="4" name="コンテンツ プレースホルダー 3">
@@ -9012,7 +9013,7 @@
         </p:blipFill>
         <p:spPr>
           <a:xfrm>
-            <a:off x="607100" y="1147820"/>
+            <a:off x="607099" y="1056747"/>
             <a:ext cx="10052150" cy="4562360"/>
           </a:xfrm>
           <a:prstGeom prst="rect">
@@ -9020,6 +9021,137 @@
           </a:prstGeom>
         </p:spPr>
       </p:pic>
+      <p:sp>
+        <p:nvSpPr>
+          <p:cNvPr id="16" name="正方形/長方形 15">
+            <a:extLst>
+              <a:ext uri="{FF2B5EF4-FFF2-40B4-BE49-F238E27FC236}">
+                <a16:creationId xmlns:a16="http://schemas.microsoft.com/office/drawing/2014/main" id="{7ACB133E-D852-02E2-A3F2-5E54576264A1}"/>
+              </a:ext>
+            </a:extLst>
+          </p:cNvPr>
+          <p:cNvSpPr/>
+          <p:nvPr/>
+        </p:nvSpPr>
+        <p:spPr>
+          <a:xfrm>
+            <a:off x="6262773" y="1953744"/>
+            <a:ext cx="562545" cy="161143"/>
+          </a:xfrm>
+          <a:prstGeom prst="rect">
+            <a:avLst/>
+          </a:prstGeom>
+          <a:solidFill>
+            <a:schemeClr val="bg1"/>
+          </a:solidFill>
+          <a:ln>
+            <a:solidFill>
+              <a:schemeClr val="bg1"/>
+            </a:solidFill>
+          </a:ln>
+        </p:spPr>
+        <p:style>
+          <a:lnRef idx="2">
+            <a:schemeClr val="accent1">
+              <a:shade val="50000"/>
+            </a:schemeClr>
+          </a:lnRef>
+          <a:fillRef idx="1">
+            <a:schemeClr val="accent1"/>
+          </a:fillRef>
+          <a:effectRef idx="0">
+            <a:schemeClr val="accent1"/>
+          </a:effectRef>
+          <a:fontRef idx="minor">
+            <a:schemeClr val="lt1"/>
+          </a:fontRef>
+        </p:style>
+        <p:txBody>
+          <a:bodyPr rtlCol="0" anchor="ctr"/>
+          <a:lstStyle/>
+          <a:p>
+            <a:pPr algn="r"/>
+            <a:r>
+              <a:rPr kumimoji="1" lang="ja-JP" altLang="en-US" sz="800" b="1" dirty="0">
+                <a:solidFill>
+                  <a:schemeClr val="tx1"/>
+                </a:solidFill>
+              </a:rPr>
+              <a:t>ふとし</a:t>
+            </a:r>
+          </a:p>
+        </p:txBody>
+      </p:sp>
+      <p:sp>
+        <p:nvSpPr>
+          <p:cNvPr id="2" name="タイトル 1">
+            <a:extLst>
+              <a:ext uri="{FF2B5EF4-FFF2-40B4-BE49-F238E27FC236}">
+                <a16:creationId xmlns:a16="http://schemas.microsoft.com/office/drawing/2014/main" id="{FD94F0BB-E56D-727C-2257-3C6B2EDB6E55}"/>
+              </a:ext>
+            </a:extLst>
+          </p:cNvPr>
+          <p:cNvSpPr>
+            <a:spLocks noGrp="1"/>
+          </p:cNvSpPr>
+          <p:nvPr>
+            <p:ph type="title"/>
+          </p:nvPr>
+        </p:nvSpPr>
+        <p:spPr>
+          <a:xfrm>
+            <a:off x="607100" y="161444"/>
+            <a:ext cx="8596668" cy="1259732"/>
+          </a:xfrm>
+        </p:spPr>
+        <p:txBody>
+          <a:bodyPr/>
+          <a:lstStyle/>
+          <a:p>
+            <a:r>
+              <a:rPr kumimoji="1" lang="ja-JP" altLang="en-US" sz="2400" b="0" i="0" u="none" strike="noStrike" kern="1200" cap="none" spc="0" normalizeH="0" baseline="0" noProof="0" dirty="0">
+                <a:ln>
+                  <a:noFill/>
+                </a:ln>
+                <a:solidFill>
+                  <a:schemeClr val="accent2"/>
+                </a:solidFill>
+                <a:effectLst/>
+                <a:uLnTx/>
+                <a:uFillTx/>
+                <a:latin typeface="Trebuchet MS" panose="020B0603020202020204"/>
+                <a:ea typeface="メイリオ" panose="020B0604030504040204" pitchFamily="50" charset="-128"/>
+                <a:cs typeface="+mj-cs"/>
+              </a:rPr>
+              <a:t>仕様</a:t>
+            </a:r>
+            <a:br>
+              <a:rPr kumimoji="1" lang="en-US" altLang="ja-JP" sz="2400" b="0" i="0" u="none" strike="noStrike" kern="1200" cap="none" spc="0" normalizeH="0" baseline="0" noProof="0" dirty="0">
+                <a:ln>
+                  <a:noFill/>
+                </a:ln>
+                <a:solidFill>
+                  <a:srgbClr val="5FCBEF"/>
+                </a:solidFill>
+                <a:effectLst/>
+                <a:uLnTx/>
+                <a:uFillTx/>
+                <a:latin typeface="Trebuchet MS" panose="020B0603020202020204"/>
+                <a:ea typeface="メイリオ" panose="020B0604030504040204" pitchFamily="50" charset="-128"/>
+                <a:cs typeface="+mj-cs"/>
+              </a:rPr>
+            </a:br>
+            <a:r>
+              <a:rPr kumimoji="1" lang="ja-JP" altLang="en-US" dirty="0">
+                <a:solidFill>
+                  <a:schemeClr val="tx1"/>
+                </a:solidFill>
+              </a:rPr>
+              <a:t>卒業ページ</a:t>
+            </a:r>
+          </a:p>
+        </p:txBody>
+      </p:sp>
       <p:sp>
         <p:nvSpPr>
           <p:cNvPr id="15" name="四角形: 角を丸くする 14">
@@ -9324,7 +9456,7 @@
         </p:blipFill>
         <p:spPr>
           <a:xfrm>
-            <a:off x="5211143" y="1774757"/>
+            <a:off x="6017463" y="1725962"/>
             <a:ext cx="4801303" cy="576793"/>
           </a:xfrm>
           <a:prstGeom prst="rect">
@@ -9332,6 +9464,223 @@
           </a:prstGeom>
         </p:spPr>
       </p:pic>
+      <p:pic>
+        <p:nvPicPr>
+          <p:cNvPr id="7" name="図 6" descr="黒いシャツを着た少年&#10;&#10;自動的に生成された説明">
+            <a:extLst>
+              <a:ext uri="{FF2B5EF4-FFF2-40B4-BE49-F238E27FC236}">
+                <a16:creationId xmlns:a16="http://schemas.microsoft.com/office/drawing/2014/main" id="{FCE9C3EF-7AAF-86A4-7ABC-568E7C3CA366}"/>
+              </a:ext>
+            </a:extLst>
+          </p:cNvPr>
+          <p:cNvPicPr>
+            <a:picLocks noChangeAspect="1"/>
+          </p:cNvPicPr>
+          <p:nvPr/>
+        </p:nvPicPr>
+        <p:blipFill>
+          <a:blip r:embed="rId4">
+            <a:extLst>
+              <a:ext uri="{28A0092B-C50C-407E-A947-70E740481C1C}">
+                <a14:useLocalDpi xmlns:a14="http://schemas.microsoft.com/office/drawing/2010/main" val="0"/>
+              </a:ext>
+            </a:extLst>
+          </a:blip>
+          <a:stretch>
+            <a:fillRect/>
+          </a:stretch>
+        </p:blipFill>
+        <p:spPr>
+          <a:xfrm>
+            <a:off x="988577" y="2094771"/>
+            <a:ext cx="2222781" cy="2004633"/>
+          </a:xfrm>
+          <a:prstGeom prst="rect">
+            <a:avLst/>
+          </a:prstGeom>
+        </p:spPr>
+      </p:pic>
+      <p:pic>
+        <p:nvPicPr>
+          <p:cNvPr id="10" name="図 9" descr="黒いシャツを着ている少年&#10;&#10;自動的に生成された説明">
+            <a:extLst>
+              <a:ext uri="{FF2B5EF4-FFF2-40B4-BE49-F238E27FC236}">
+                <a16:creationId xmlns:a16="http://schemas.microsoft.com/office/drawing/2014/main" id="{05076C04-50AF-E7B3-4E0A-2582CC737751}"/>
+              </a:ext>
+            </a:extLst>
+          </p:cNvPr>
+          <p:cNvPicPr>
+            <a:picLocks noChangeAspect="1"/>
+          </p:cNvPicPr>
+          <p:nvPr/>
+        </p:nvPicPr>
+        <p:blipFill>
+          <a:blip r:embed="rId5">
+            <a:extLst>
+              <a:ext uri="{28A0092B-C50C-407E-A947-70E740481C1C}">
+                <a14:useLocalDpi xmlns:a14="http://schemas.microsoft.com/office/drawing/2010/main" val="0"/>
+              </a:ext>
+            </a:extLst>
+          </a:blip>
+          <a:stretch>
+            <a:fillRect/>
+          </a:stretch>
+        </p:blipFill>
+        <p:spPr>
+          <a:xfrm>
+            <a:off x="3530392" y="2094770"/>
+            <a:ext cx="2445812" cy="2004633"/>
+          </a:xfrm>
+          <a:prstGeom prst="rect">
+            <a:avLst/>
+          </a:prstGeom>
+        </p:spPr>
+      </p:pic>
+      <p:sp>
+        <p:nvSpPr>
+          <p:cNvPr id="12" name="矢印: 右 11">
+            <a:extLst>
+              <a:ext uri="{FF2B5EF4-FFF2-40B4-BE49-F238E27FC236}">
+                <a16:creationId xmlns:a16="http://schemas.microsoft.com/office/drawing/2014/main" id="{C06511AD-FA9B-96FE-B679-D3FBD11791A2}"/>
+              </a:ext>
+            </a:extLst>
+          </p:cNvPr>
+          <p:cNvSpPr/>
+          <p:nvPr/>
+        </p:nvSpPr>
+        <p:spPr>
+          <a:xfrm>
+            <a:off x="2764851" y="3559312"/>
+            <a:ext cx="893014" cy="696112"/>
+          </a:xfrm>
+          <a:prstGeom prst="rightArrow">
+            <a:avLst/>
+          </a:prstGeom>
+          <a:solidFill>
+            <a:srgbClr val="0070C0"/>
+          </a:solidFill>
+        </p:spPr>
+        <p:style>
+          <a:lnRef idx="2">
+            <a:schemeClr val="accent1">
+              <a:shade val="50000"/>
+            </a:schemeClr>
+          </a:lnRef>
+          <a:fillRef idx="1">
+            <a:schemeClr val="accent1"/>
+          </a:fillRef>
+          <a:effectRef idx="0">
+            <a:schemeClr val="accent1"/>
+          </a:effectRef>
+          <a:fontRef idx="minor">
+            <a:schemeClr val="lt1"/>
+          </a:fontRef>
+        </p:style>
+        <p:txBody>
+          <a:bodyPr rtlCol="0" anchor="ctr"/>
+          <a:lstStyle/>
+          <a:p>
+            <a:pPr algn="ctr"/>
+            <a:endParaRPr kumimoji="1" lang="ja-JP" altLang="en-US"/>
+          </a:p>
+        </p:txBody>
+      </p:sp>
+      <p:sp>
+        <p:nvSpPr>
+          <p:cNvPr id="14" name="正方形/長方形 13">
+            <a:extLst>
+              <a:ext uri="{FF2B5EF4-FFF2-40B4-BE49-F238E27FC236}">
+                <a16:creationId xmlns:a16="http://schemas.microsoft.com/office/drawing/2014/main" id="{6BAE0C5C-80A7-4E7D-ABCF-43037A8F48BA}"/>
+              </a:ext>
+            </a:extLst>
+          </p:cNvPr>
+          <p:cNvSpPr/>
+          <p:nvPr/>
+        </p:nvSpPr>
+        <p:spPr>
+          <a:xfrm>
+            <a:off x="6295238" y="1911771"/>
+            <a:ext cx="998939" cy="357239"/>
+          </a:xfrm>
+          <a:prstGeom prst="rect">
+            <a:avLst/>
+          </a:prstGeom>
+          <a:solidFill>
+            <a:schemeClr val="bg1"/>
+          </a:solidFill>
+          <a:ln>
+            <a:solidFill>
+              <a:schemeClr val="bg1"/>
+            </a:solidFill>
+          </a:ln>
+        </p:spPr>
+        <p:style>
+          <a:lnRef idx="2">
+            <a:schemeClr val="accent1">
+              <a:shade val="50000"/>
+            </a:schemeClr>
+          </a:lnRef>
+          <a:fillRef idx="1">
+            <a:schemeClr val="accent1"/>
+          </a:fillRef>
+          <a:effectRef idx="0">
+            <a:schemeClr val="accent1"/>
+          </a:effectRef>
+          <a:fontRef idx="minor">
+            <a:schemeClr val="lt1"/>
+          </a:fontRef>
+        </p:style>
+        <p:txBody>
+          <a:bodyPr rtlCol="0" anchor="ctr"/>
+          <a:lstStyle/>
+          <a:p>
+            <a:pPr algn="r"/>
+            <a:r>
+              <a:rPr kumimoji="1" lang="ja-JP" altLang="en-US" b="1" dirty="0">
+                <a:solidFill>
+                  <a:schemeClr val="tx1"/>
+                </a:solidFill>
+              </a:rPr>
+              <a:t>ふとし</a:t>
+            </a:r>
+          </a:p>
+        </p:txBody>
+      </p:sp>
+      <p:sp>
+        <p:nvSpPr>
+          <p:cNvPr id="17" name="テキスト ボックス 16">
+            <a:extLst>
+              <a:ext uri="{FF2B5EF4-FFF2-40B4-BE49-F238E27FC236}">
+                <a16:creationId xmlns:a16="http://schemas.microsoft.com/office/drawing/2014/main" id="{44F8F79F-AE61-8793-5903-280F6D242C93}"/>
+              </a:ext>
+            </a:extLst>
+          </p:cNvPr>
+          <p:cNvSpPr txBox="1"/>
+          <p:nvPr/>
+        </p:nvSpPr>
+        <p:spPr>
+          <a:xfrm>
+            <a:off x="3566330" y="531394"/>
+            <a:ext cx="2881480" cy="369332"/>
+          </a:xfrm>
+          <a:prstGeom prst="rect">
+            <a:avLst/>
+          </a:prstGeom>
+          <a:noFill/>
+        </p:spPr>
+        <p:txBody>
+          <a:bodyPr wrap="square" rtlCol="0">
+            <a:spAutoFit/>
+          </a:bodyPr>
+          <a:lstStyle/>
+          <a:p>
+            <a:r>
+              <a:rPr kumimoji="1" lang="ja-JP" altLang="en-US" dirty="0"/>
+              <a:t>担当：小島、佐分、金指</a:t>
+            </a:r>
+          </a:p>
+        </p:txBody>
+      </p:sp>
     </p:spTree>
     <p:extLst>
       <p:ext uri="{BB962C8B-B14F-4D97-AF65-F5344CB8AC3E}">
@@ -9464,6 +9813,41 @@
                                           </p:stCondLst>
                                         </p:cTn>
                                         <p:tgtEl>
+                                          <p:spTgt spid="14"/>
+                                        </p:tgtEl>
+                                        <p:attrNameLst>
+                                          <p:attrName>style.visibility</p:attrName>
+                                        </p:attrNameLst>
+                                      </p:cBhvr>
+                                      <p:to>
+                                        <p:strVal val="visible"/>
+                                      </p:to>
+                                    </p:set>
+                                    <p:animEffect transition="in" filter="fade">
+                                      <p:cBhvr>
+                                        <p:cTn id="15" dur="500"/>
+                                        <p:tgtEl>
+                                          <p:spTgt spid="14"/>
+                                        </p:tgtEl>
+                                      </p:cBhvr>
+                                    </p:animEffect>
+                                  </p:childTnLst>
+                                </p:cTn>
+                              </p:par>
+                              <p:par>
+                                <p:cTn id="16" presetID="10" presetClass="entr" presetSubtype="0" fill="hold" grpId="0" nodeType="withEffect">
+                                  <p:stCondLst>
+                                    <p:cond delay="0"/>
+                                  </p:stCondLst>
+                                  <p:childTnLst>
+                                    <p:set>
+                                      <p:cBhvr>
+                                        <p:cTn id="17" dur="1" fill="hold">
+                                          <p:stCondLst>
+                                            <p:cond delay="0"/>
+                                          </p:stCondLst>
+                                        </p:cTn>
+                                        <p:tgtEl>
                                           <p:spTgt spid="18"/>
                                         </p:tgtEl>
                                         <p:attrNameLst>
@@ -9476,7 +9860,7 @@
                                     </p:set>
                                     <p:animEffect transition="in" filter="fade">
                                       <p:cBhvr>
-                                        <p:cTn id="15" dur="500"/>
+                                        <p:cTn id="18" dur="500"/>
                                         <p:tgtEl>
                                           <p:spTgt spid="18"/>
                                         </p:tgtEl>
@@ -9492,26 +9876,26 @@
                     </p:cTn>
                   </p:par>
                   <p:par>
-                    <p:cTn id="16" fill="hold">
+                    <p:cTn id="19" fill="hold">
                       <p:stCondLst>
                         <p:cond delay="indefinite"/>
                       </p:stCondLst>
                       <p:childTnLst>
                         <p:par>
-                          <p:cTn id="17" fill="hold">
+                          <p:cTn id="20" fill="hold">
                             <p:stCondLst>
                               <p:cond delay="0"/>
                             </p:stCondLst>
                             <p:childTnLst>
                               <p:par>
-                                <p:cTn id="18" presetID="10" presetClass="entr" presetSubtype="0" fill="hold" grpId="0" nodeType="clickEffect">
+                                <p:cTn id="21" presetID="10" presetClass="entr" presetSubtype="0" fill="hold" grpId="0" nodeType="clickEffect">
                                   <p:stCondLst>
                                     <p:cond delay="0"/>
                                   </p:stCondLst>
                                   <p:childTnLst>
                                     <p:set>
                                       <p:cBhvr>
-                                        <p:cTn id="19" dur="1" fill="hold">
+                                        <p:cTn id="22" dur="1" fill="hold">
                                           <p:stCondLst>
                                             <p:cond delay="0"/>
                                           </p:stCondLst>
@@ -9529,7 +9913,7 @@
                                     </p:set>
                                     <p:animEffect transition="in" filter="fade">
                                       <p:cBhvr>
-                                        <p:cTn id="20" dur="500"/>
+                                        <p:cTn id="23" dur="500"/>
                                         <p:tgtEl>
                                           <p:spTgt spid="15"/>
                                         </p:tgtEl>
@@ -9545,26 +9929,26 @@
                     </p:cTn>
                   </p:par>
                   <p:par>
-                    <p:cTn id="21" fill="hold">
+                    <p:cTn id="24" fill="hold">
                       <p:stCondLst>
                         <p:cond delay="indefinite"/>
                       </p:stCondLst>
                       <p:childTnLst>
                         <p:par>
-                          <p:cTn id="22" fill="hold">
+                          <p:cTn id="25" fill="hold">
                             <p:stCondLst>
                               <p:cond delay="0"/>
                             </p:stCondLst>
                             <p:childTnLst>
                               <p:par>
-                                <p:cTn id="23" presetID="10" presetClass="entr" presetSubtype="0" fill="hold" nodeType="clickEffect">
+                                <p:cTn id="26" presetID="10" presetClass="entr" presetSubtype="0" fill="hold" nodeType="clickEffect">
                                   <p:stCondLst>
                                     <p:cond delay="0"/>
                                   </p:stCondLst>
                                   <p:childTnLst>
                                     <p:set>
                                       <p:cBhvr>
-                                        <p:cTn id="24" dur="1" fill="hold">
+                                        <p:cTn id="27" dur="1" fill="hold">
                                           <p:stCondLst>
                                             <p:cond delay="0"/>
                                           </p:stCondLst>
@@ -9582,7 +9966,7 @@
                                     </p:set>
                                     <p:animEffect transition="in" filter="fade">
                                       <p:cBhvr>
-                                        <p:cTn id="25" dur="500"/>
+                                        <p:cTn id="28" dur="500"/>
                                         <p:tgtEl>
                                           <p:spTgt spid="11"/>
                                         </p:tgtEl>
@@ -9622,6 +10006,7 @@
       <p:bldP spid="15" grpId="0" animBg="1"/>
       <p:bldP spid="13" grpId="0" animBg="1"/>
       <p:bldP spid="18" grpId="0" animBg="1"/>
+      <p:bldP spid="14" grpId="0" animBg="1"/>
     </p:bldLst>
   </p:timing>
 </p:sld>
@@ -11298,8 +11683,13 @@
           <a:p>
             <a:r>
               <a:rPr kumimoji="1" lang="ja-JP" altLang="en-US" sz="3200" b="1" dirty="0"/>
-              <a:t>マイページ</a:t>
-            </a:r>
+              <a:t>マイページ　</a:t>
+            </a:r>
+            <a:r>
+              <a:rPr kumimoji="1" lang="ja-JP" altLang="en-US" sz="2000" dirty="0"/>
+              <a:t>担当：全員　</a:t>
+            </a:r>
+            <a:endParaRPr kumimoji="1" lang="ja-JP" altLang="en-US" sz="3200" dirty="0"/>
           </a:p>
         </p:txBody>
       </p:sp>
@@ -11398,8 +11788,8 @@
         </p:nvSpPr>
         <p:spPr>
           <a:xfrm>
-            <a:off x="675065" y="1574357"/>
-            <a:ext cx="4725022" cy="3880773"/>
+            <a:off x="277091" y="1574357"/>
+            <a:ext cx="6055237" cy="3880773"/>
           </a:xfrm>
         </p:spPr>
         <p:txBody>
@@ -11411,6 +11801,14 @@
             <a:r>
               <a:rPr kumimoji="1" lang="ja-JP" altLang="en-US" sz="3600" b="1" dirty="0"/>
               <a:t>体重推移グラフ　</a:t>
+            </a:r>
+            <a:r>
+              <a:rPr kumimoji="1" lang="ja-JP" altLang="en-US" sz="2800" dirty="0"/>
+              <a:t>担当：金指</a:t>
+            </a:r>
+            <a:r>
+              <a:rPr kumimoji="1" lang="ja-JP" altLang="en-US" sz="3600" b="1" dirty="0"/>
+              <a:t>　</a:t>
             </a:r>
             <a:endParaRPr kumimoji="1" lang="en-US" altLang="ja-JP" sz="3600" b="1" dirty="0"/>
           </a:p>
@@ -11739,9 +12137,13 @@
           <a:p>
             <a:r>
               <a:rPr kumimoji="1" lang="ja-JP" altLang="en-US" sz="2800" b="1" dirty="0"/>
-              <a:t>スタンプカード機能</a:t>
-            </a:r>
-            <a:endParaRPr lang="en-US" altLang="ja-JP" sz="2800" b="1" dirty="0"/>
+              <a:t>スタンプカード機能　</a:t>
+            </a:r>
+            <a:r>
+              <a:rPr kumimoji="1" lang="ja-JP" altLang="en-US" sz="2400" dirty="0"/>
+              <a:t>担当：佐分</a:t>
+            </a:r>
+            <a:endParaRPr lang="en-US" altLang="ja-JP" sz="2800" dirty="0"/>
           </a:p>
         </p:txBody>
       </p:sp>
@@ -14049,6 +14451,41 @@
           </a:p>
         </p:txBody>
       </p:sp>
+      <p:sp>
+        <p:nvSpPr>
+          <p:cNvPr id="7" name="テキスト ボックス 6">
+            <a:extLst>
+              <a:ext uri="{FF2B5EF4-FFF2-40B4-BE49-F238E27FC236}">
+                <a16:creationId xmlns:a16="http://schemas.microsoft.com/office/drawing/2014/main" id="{8FEB6136-37BE-3284-39C0-404979731AE0}"/>
+              </a:ext>
+            </a:extLst>
+          </p:cNvPr>
+          <p:cNvSpPr txBox="1"/>
+          <p:nvPr/>
+        </p:nvSpPr>
+        <p:spPr>
+          <a:xfrm>
+            <a:off x="5876277" y="95743"/>
+            <a:ext cx="3269673" cy="369332"/>
+          </a:xfrm>
+          <a:prstGeom prst="rect">
+            <a:avLst/>
+          </a:prstGeom>
+          <a:noFill/>
+        </p:spPr>
+        <p:txBody>
+          <a:bodyPr wrap="square" rtlCol="0">
+            <a:spAutoFit/>
+          </a:bodyPr>
+          <a:lstStyle/>
+          <a:p>
+            <a:r>
+              <a:rPr kumimoji="1" lang="ja-JP" altLang="en-US" dirty="0"/>
+              <a:t>担当：安部、金指、小島</a:t>
+            </a:r>
+          </a:p>
+        </p:txBody>
+      </p:sp>
     </p:spTree>
     <p:extLst>
       <p:ext uri="{BB962C8B-B14F-4D97-AF65-F5344CB8AC3E}">
@@ -15386,7 +15823,7 @@
         <p:spPr>
           <a:xfrm>
             <a:off x="354849" y="5819624"/>
-            <a:ext cx="2243903" cy="919209"/>
+            <a:ext cx="7631864" cy="919209"/>
           </a:xfrm>
           <a:prstGeom prst="ellipse">
             <a:avLst/>
@@ -16128,6 +16565,98 @@
               <a:rPr kumimoji="1" lang="ja-JP" altLang="en-US" dirty="0"/>
               <a:t>全体を把握し一人一人が状況に合わせた行動をとれる</a:t>
             </a:r>
+          </a:p>
+        </p:txBody>
+      </p:sp>
+      <p:sp>
+        <p:nvSpPr>
+          <p:cNvPr id="7" name="矢印: 下 6">
+            <a:extLst>
+              <a:ext uri="{FF2B5EF4-FFF2-40B4-BE49-F238E27FC236}">
+                <a16:creationId xmlns:a16="http://schemas.microsoft.com/office/drawing/2014/main" id="{6586A27C-B041-489B-ABFE-9B300FA68975}"/>
+              </a:ext>
+            </a:extLst>
+          </p:cNvPr>
+          <p:cNvSpPr/>
+          <p:nvPr/>
+        </p:nvSpPr>
+        <p:spPr>
+          <a:xfrm rot="17809949">
+            <a:off x="1837083" y="4389375"/>
+            <a:ext cx="339191" cy="1435398"/>
+          </a:xfrm>
+          <a:prstGeom prst="downArrow">
+            <a:avLst/>
+          </a:prstGeom>
+          <a:solidFill>
+            <a:schemeClr val="accent2"/>
+          </a:solidFill>
+        </p:spPr>
+        <p:style>
+          <a:lnRef idx="2">
+            <a:schemeClr val="accent1">
+              <a:shade val="50000"/>
+            </a:schemeClr>
+          </a:lnRef>
+          <a:fillRef idx="1">
+            <a:schemeClr val="accent1"/>
+          </a:fillRef>
+          <a:effectRef idx="0">
+            <a:schemeClr val="accent1"/>
+          </a:effectRef>
+          <a:fontRef idx="minor">
+            <a:schemeClr val="lt1"/>
+          </a:fontRef>
+        </p:style>
+        <p:txBody>
+          <a:bodyPr rtlCol="0" anchor="ctr"/>
+          <a:lstStyle/>
+          <a:p>
+            <a:pPr algn="ctr"/>
+            <a:endParaRPr kumimoji="1" lang="ja-JP" altLang="en-US"/>
+          </a:p>
+        </p:txBody>
+      </p:sp>
+      <p:sp>
+        <p:nvSpPr>
+          <p:cNvPr id="8" name="テキスト ボックス 7">
+            <a:extLst>
+              <a:ext uri="{FF2B5EF4-FFF2-40B4-BE49-F238E27FC236}">
+                <a16:creationId xmlns:a16="http://schemas.microsoft.com/office/drawing/2014/main" id="{95893786-FC42-32B1-8A8F-E8E25EAF74E2}"/>
+              </a:ext>
+            </a:extLst>
+          </p:cNvPr>
+          <p:cNvSpPr txBox="1"/>
+          <p:nvPr/>
+        </p:nvSpPr>
+        <p:spPr>
+          <a:xfrm>
+            <a:off x="141536" y="4156999"/>
+            <a:ext cx="2296330" cy="646331"/>
+          </a:xfrm>
+          <a:prstGeom prst="rect">
+            <a:avLst/>
+          </a:prstGeom>
+          <a:noFill/>
+        </p:spPr>
+        <p:txBody>
+          <a:bodyPr wrap="square" rtlCol="0">
+            <a:spAutoFit/>
+          </a:bodyPr>
+          <a:lstStyle/>
+          <a:p>
+            <a:r>
+              <a:rPr kumimoji="1" lang="ja-JP" altLang="en-US" dirty="0"/>
+              <a:t>課題</a:t>
+            </a:r>
+            <a:endParaRPr kumimoji="1" lang="en-US" altLang="ja-JP" dirty="0"/>
+          </a:p>
+          <a:p>
+            <a:r>
+              <a:rPr kumimoji="1" lang="ja-JP" altLang="en-US" dirty="0"/>
+              <a:t>ぶち当たり期</a:t>
+            </a:r>
+            <a:endParaRPr kumimoji="1" lang="en-US" altLang="ja-JP" dirty="0"/>
           </a:p>
         </p:txBody>
       </p:sp>
@@ -19779,6 +20308,48 @@
             <a:r>
               <a:rPr kumimoji="1" lang="ja-JP" altLang="en-US" sz="2400" dirty="0"/>
               <a:t>１日の目標</a:t>
+            </a:r>
+          </a:p>
+        </p:txBody>
+      </p:sp>
+      <p:sp>
+        <p:nvSpPr>
+          <p:cNvPr id="3" name="テキスト ボックス 2">
+            <a:extLst>
+              <a:ext uri="{FF2B5EF4-FFF2-40B4-BE49-F238E27FC236}">
+                <a16:creationId xmlns:a16="http://schemas.microsoft.com/office/drawing/2014/main" id="{DB566DBC-98D3-D74B-CF22-4235D9803169}"/>
+              </a:ext>
+            </a:extLst>
+          </p:cNvPr>
+          <p:cNvSpPr txBox="1"/>
+          <p:nvPr/>
+        </p:nvSpPr>
+        <p:spPr>
+          <a:xfrm>
+            <a:off x="6715832" y="665752"/>
+            <a:ext cx="2700338" cy="646331"/>
+          </a:xfrm>
+          <a:prstGeom prst="rect">
+            <a:avLst/>
+          </a:prstGeom>
+          <a:noFill/>
+        </p:spPr>
+        <p:txBody>
+          <a:bodyPr wrap="square" rtlCol="0">
+            <a:spAutoFit/>
+          </a:bodyPr>
+          <a:lstStyle/>
+          <a:p>
+            <a:r>
+              <a:rPr kumimoji="1" lang="ja-JP" altLang="en-US" dirty="0"/>
+              <a:t>製作担当：兼平</a:t>
+            </a:r>
+            <a:endParaRPr kumimoji="1" lang="en-US" altLang="ja-JP" dirty="0"/>
+          </a:p>
+          <a:p>
+            <a:r>
+              <a:rPr kumimoji="1" lang="ja-JP" altLang="en-US" dirty="0"/>
+              <a:t>　　　　　安部</a:t>
             </a:r>
           </a:p>
         </p:txBody>

--- a/C5_配布資料/0630_C-5 _発表資料.pptx
+++ b/C5_配布資料/0630_C-5 _発表資料.pptx
@@ -11648,8 +11648,8 @@
         </p:blipFill>
         <p:spPr>
           <a:xfrm>
-            <a:off x="1147660" y="1842075"/>
-            <a:ext cx="8287052" cy="4309760"/>
+            <a:off x="923070" y="1829563"/>
+            <a:ext cx="9183456" cy="4775943"/>
           </a:xfrm>
         </p:spPr>
       </p:pic>
@@ -11690,6 +11690,255 @@
               <a:t>担当：全員　</a:t>
             </a:r>
             <a:endParaRPr kumimoji="1" lang="ja-JP" altLang="en-US" sz="3200" dirty="0"/>
+          </a:p>
+        </p:txBody>
+      </p:sp>
+      <p:cxnSp>
+        <p:nvCxnSpPr>
+          <p:cNvPr id="6" name="直線矢印コネクタ 5">
+            <a:extLst>
+              <a:ext uri="{FF2B5EF4-FFF2-40B4-BE49-F238E27FC236}">
+                <a16:creationId xmlns:a16="http://schemas.microsoft.com/office/drawing/2014/main" id="{BF4797AE-A790-768D-69D5-E822CCCA40DE}"/>
+              </a:ext>
+            </a:extLst>
+          </p:cNvPr>
+          <p:cNvCxnSpPr>
+            <a:cxnSpLocks/>
+          </p:cNvCxnSpPr>
+          <p:nvPr/>
+        </p:nvCxnSpPr>
+        <p:spPr>
+          <a:xfrm flipH="1">
+            <a:off x="9274002" y="2646947"/>
+            <a:ext cx="544886" cy="368253"/>
+          </a:xfrm>
+          <a:prstGeom prst="straightConnector1">
+            <a:avLst/>
+          </a:prstGeom>
+          <a:ln w="44450">
+            <a:solidFill>
+              <a:srgbClr val="FF7C00"/>
+            </a:solidFill>
+            <a:tailEnd type="triangle"/>
+          </a:ln>
+        </p:spPr>
+        <p:style>
+          <a:lnRef idx="1">
+            <a:schemeClr val="accent1"/>
+          </a:lnRef>
+          <a:fillRef idx="0">
+            <a:schemeClr val="accent1"/>
+          </a:fillRef>
+          <a:effectRef idx="0">
+            <a:schemeClr val="accent1"/>
+          </a:effectRef>
+          <a:fontRef idx="minor">
+            <a:schemeClr val="tx1"/>
+          </a:fontRef>
+        </p:style>
+      </p:cxnSp>
+      <p:cxnSp>
+        <p:nvCxnSpPr>
+          <p:cNvPr id="9" name="直線矢印コネクタ 8">
+            <a:extLst>
+              <a:ext uri="{FF2B5EF4-FFF2-40B4-BE49-F238E27FC236}">
+                <a16:creationId xmlns:a16="http://schemas.microsoft.com/office/drawing/2014/main" id="{7B51C944-D018-7B11-2A4D-AD28EEA70116}"/>
+              </a:ext>
+            </a:extLst>
+          </p:cNvPr>
+          <p:cNvCxnSpPr>
+            <a:cxnSpLocks/>
+          </p:cNvCxnSpPr>
+          <p:nvPr/>
+        </p:nvCxnSpPr>
+        <p:spPr>
+          <a:xfrm>
+            <a:off x="418461" y="4347410"/>
+            <a:ext cx="517745" cy="362058"/>
+          </a:xfrm>
+          <a:prstGeom prst="straightConnector1">
+            <a:avLst/>
+          </a:prstGeom>
+          <a:ln w="44450">
+            <a:solidFill>
+              <a:srgbClr val="FF7C00"/>
+            </a:solidFill>
+            <a:tailEnd type="triangle"/>
+          </a:ln>
+        </p:spPr>
+        <p:style>
+          <a:lnRef idx="1">
+            <a:schemeClr val="accent1"/>
+          </a:lnRef>
+          <a:fillRef idx="0">
+            <a:schemeClr val="accent1"/>
+          </a:fillRef>
+          <a:effectRef idx="0">
+            <a:schemeClr val="accent1"/>
+          </a:effectRef>
+          <a:fontRef idx="minor">
+            <a:schemeClr val="tx1"/>
+          </a:fontRef>
+        </p:style>
+      </p:cxnSp>
+      <p:cxnSp>
+        <p:nvCxnSpPr>
+          <p:cNvPr id="11" name="直線矢印コネクタ 10">
+            <a:extLst>
+              <a:ext uri="{FF2B5EF4-FFF2-40B4-BE49-F238E27FC236}">
+                <a16:creationId xmlns:a16="http://schemas.microsoft.com/office/drawing/2014/main" id="{4DE86558-167A-AFBF-DEB0-1ABF056FB448}"/>
+              </a:ext>
+            </a:extLst>
+          </p:cNvPr>
+          <p:cNvCxnSpPr>
+            <a:cxnSpLocks/>
+          </p:cNvCxnSpPr>
+          <p:nvPr/>
+        </p:nvCxnSpPr>
+        <p:spPr>
+          <a:xfrm flipH="1">
+            <a:off x="3411586" y="4215994"/>
+            <a:ext cx="731638" cy="0"/>
+          </a:xfrm>
+          <a:prstGeom prst="straightConnector1">
+            <a:avLst/>
+          </a:prstGeom>
+          <a:ln w="44450">
+            <a:solidFill>
+              <a:srgbClr val="FF7C00"/>
+            </a:solidFill>
+            <a:tailEnd type="triangle"/>
+          </a:ln>
+        </p:spPr>
+        <p:style>
+          <a:lnRef idx="1">
+            <a:schemeClr val="accent1"/>
+          </a:lnRef>
+          <a:fillRef idx="0">
+            <a:schemeClr val="accent1"/>
+          </a:fillRef>
+          <a:effectRef idx="0">
+            <a:schemeClr val="accent1"/>
+          </a:effectRef>
+          <a:fontRef idx="minor">
+            <a:schemeClr val="tx1"/>
+          </a:fontRef>
+        </p:style>
+      </p:cxnSp>
+      <p:sp>
+        <p:nvSpPr>
+          <p:cNvPr id="13" name="テキスト ボックス 12">
+            <a:extLst>
+              <a:ext uri="{FF2B5EF4-FFF2-40B4-BE49-F238E27FC236}">
+                <a16:creationId xmlns:a16="http://schemas.microsoft.com/office/drawing/2014/main" id="{F2F273DA-2309-16F5-4BDA-991CB8CB3BDC}"/>
+              </a:ext>
+            </a:extLst>
+          </p:cNvPr>
+          <p:cNvSpPr txBox="1"/>
+          <p:nvPr/>
+        </p:nvSpPr>
+        <p:spPr>
+          <a:xfrm>
+            <a:off x="4143224" y="3978078"/>
+            <a:ext cx="460065" cy="523220"/>
+          </a:xfrm>
+          <a:prstGeom prst="rect">
+            <a:avLst/>
+          </a:prstGeom>
+          <a:noFill/>
+        </p:spPr>
+        <p:txBody>
+          <a:bodyPr wrap="square" rtlCol="0">
+            <a:spAutoFit/>
+          </a:bodyPr>
+          <a:lstStyle/>
+          <a:p>
+            <a:r>
+              <a:rPr kumimoji="1" lang="ja-JP" altLang="en-US" sz="2800" dirty="0">
+                <a:solidFill>
+                  <a:srgbClr val="FF7C00"/>
+                </a:solidFill>
+              </a:rPr>
+              <a:t>①</a:t>
+            </a:r>
+          </a:p>
+        </p:txBody>
+      </p:sp>
+      <p:sp>
+        <p:nvSpPr>
+          <p:cNvPr id="14" name="テキスト ボックス 13">
+            <a:extLst>
+              <a:ext uri="{FF2B5EF4-FFF2-40B4-BE49-F238E27FC236}">
+                <a16:creationId xmlns:a16="http://schemas.microsoft.com/office/drawing/2014/main" id="{348FEE78-3BF5-348D-50F0-792D01CDEBAA}"/>
+              </a:ext>
+            </a:extLst>
+          </p:cNvPr>
+          <p:cNvSpPr txBox="1"/>
+          <p:nvPr/>
+        </p:nvSpPr>
+        <p:spPr>
+          <a:xfrm>
+            <a:off x="2940" y="3954384"/>
+            <a:ext cx="460065" cy="523220"/>
+          </a:xfrm>
+          <a:prstGeom prst="rect">
+            <a:avLst/>
+          </a:prstGeom>
+          <a:noFill/>
+        </p:spPr>
+        <p:txBody>
+          <a:bodyPr wrap="square" rtlCol="0">
+            <a:spAutoFit/>
+          </a:bodyPr>
+          <a:lstStyle/>
+          <a:p>
+            <a:r>
+              <a:rPr kumimoji="1" lang="ja-JP" altLang="en-US" sz="2800" dirty="0">
+                <a:solidFill>
+                  <a:srgbClr val="FF7C00"/>
+                </a:solidFill>
+              </a:rPr>
+              <a:t>②</a:t>
+            </a:r>
+          </a:p>
+        </p:txBody>
+      </p:sp>
+      <p:sp>
+        <p:nvSpPr>
+          <p:cNvPr id="15" name="テキスト ボックス 14">
+            <a:extLst>
+              <a:ext uri="{FF2B5EF4-FFF2-40B4-BE49-F238E27FC236}">
+                <a16:creationId xmlns:a16="http://schemas.microsoft.com/office/drawing/2014/main" id="{CDAE3136-7B3B-466F-8E39-E8DEC24484DF}"/>
+              </a:ext>
+            </a:extLst>
+          </p:cNvPr>
+          <p:cNvSpPr txBox="1"/>
+          <p:nvPr/>
+        </p:nvSpPr>
+        <p:spPr>
+          <a:xfrm>
+            <a:off x="9618910" y="2214526"/>
+            <a:ext cx="687594" cy="523220"/>
+          </a:xfrm>
+          <a:prstGeom prst="rect">
+            <a:avLst/>
+          </a:prstGeom>
+          <a:noFill/>
+        </p:spPr>
+        <p:txBody>
+          <a:bodyPr wrap="square" rtlCol="0">
+            <a:spAutoFit/>
+          </a:bodyPr>
+          <a:lstStyle/>
+          <a:p>
+            <a:r>
+              <a:rPr kumimoji="1" lang="ja-JP" altLang="en-US" sz="2800" dirty="0">
+                <a:solidFill>
+                  <a:srgbClr val="FF7C00"/>
+                </a:solidFill>
+              </a:rPr>
+              <a:t>③</a:t>
+            </a:r>
           </a:p>
         </p:txBody>
       </p:sp>
@@ -11749,7 +11998,7 @@
         </p:nvSpPr>
         <p:spPr>
           <a:xfrm>
-            <a:off x="675065" y="609600"/>
+            <a:off x="755276" y="436999"/>
             <a:ext cx="2930518" cy="1320800"/>
           </a:xfrm>
         </p:spPr>
@@ -11788,8 +12037,8 @@
         </p:nvSpPr>
         <p:spPr>
           <a:xfrm>
-            <a:off x="277091" y="1574357"/>
-            <a:ext cx="6055237" cy="3880773"/>
+            <a:off x="240633" y="1574357"/>
+            <a:ext cx="6641430" cy="3880773"/>
           </a:xfrm>
         </p:spPr>
         <p:txBody>
@@ -11799,8 +12048,8 @@
           <a:lstStyle/>
           <a:p>
             <a:r>
-              <a:rPr kumimoji="1" lang="ja-JP" altLang="en-US" sz="3600" b="1" dirty="0"/>
-              <a:t>体重推移グラフ　</a:t>
+              <a:rPr kumimoji="1" lang="ja-JP" altLang="en-US" sz="3200" b="1" dirty="0"/>
+              <a:t>①体重推移グラフ　</a:t>
             </a:r>
             <a:r>
               <a:rPr kumimoji="1" lang="ja-JP" altLang="en-US" sz="2800" dirty="0"/>
@@ -12137,7 +12386,7 @@
           <a:p>
             <a:r>
               <a:rPr kumimoji="1" lang="ja-JP" altLang="en-US" sz="2800" b="1" dirty="0"/>
-              <a:t>スタンプカード機能　</a:t>
+              <a:t>②スタンプカード機能　</a:t>
             </a:r>
             <a:r>
               <a:rPr kumimoji="1" lang="ja-JP" altLang="en-US" sz="2400" dirty="0"/>
@@ -12561,7 +12810,7 @@
           <a:p>
             <a:r>
               <a:rPr kumimoji="1" lang="ja-JP" altLang="en-US" sz="2800" b="1" dirty="0"/>
-              <a:t>アバター</a:t>
+              <a:t>③アバター</a:t>
             </a:r>
             <a:r>
               <a:rPr lang="ja-JP" altLang="en-US" sz="2800" b="1" dirty="0"/>
@@ -13430,89 +13679,6 @@
       </p:sp>
       <p:sp>
         <p:nvSpPr>
-          <p:cNvPr id="20" name="正方形/長方形 19">
-            <a:extLst>
-              <a:ext uri="{FF2B5EF4-FFF2-40B4-BE49-F238E27FC236}">
-                <a16:creationId xmlns:a16="http://schemas.microsoft.com/office/drawing/2014/main" id="{12F7E54E-74EC-9875-B5EE-688182A9A4C3}"/>
-              </a:ext>
-            </a:extLst>
-          </p:cNvPr>
-          <p:cNvSpPr/>
-          <p:nvPr/>
-        </p:nvSpPr>
-        <p:spPr>
-          <a:xfrm>
-            <a:off x="3558207" y="3847552"/>
-            <a:ext cx="2120349" cy="1908181"/>
-          </a:xfrm>
-          <a:prstGeom prst="rect">
-            <a:avLst/>
-          </a:prstGeom>
-          <a:noFill/>
-          <a:ln w="76200">
-            <a:solidFill>
-              <a:schemeClr val="accent1">
-                <a:lumMod val="75000"/>
-              </a:schemeClr>
-            </a:solidFill>
-          </a:ln>
-        </p:spPr>
-        <p:style>
-          <a:lnRef idx="2">
-            <a:schemeClr val="accent1">
-              <a:shade val="50000"/>
-            </a:schemeClr>
-          </a:lnRef>
-          <a:fillRef idx="1">
-            <a:schemeClr val="accent1"/>
-          </a:fillRef>
-          <a:effectRef idx="0">
-            <a:schemeClr val="accent1"/>
-          </a:effectRef>
-          <a:fontRef idx="minor">
-            <a:schemeClr val="lt1"/>
-          </a:fontRef>
-        </p:style>
-        <p:txBody>
-          <a:bodyPr rtlCol="0" anchor="ctr"/>
-          <a:lstStyle/>
-          <a:p>
-            <a:pPr marL="0" marR="0" lvl="0" indent="0" algn="ctr" defTabSz="457200" rtl="0" eaLnBrk="1" fontAlgn="auto" latinLnBrk="0" hangingPunct="1">
-              <a:lnSpc>
-                <a:spcPct val="100000"/>
-              </a:lnSpc>
-              <a:spcBef>
-                <a:spcPts val="0"/>
-              </a:spcBef>
-              <a:spcAft>
-                <a:spcPts val="0"/>
-              </a:spcAft>
-              <a:buClrTx/>
-              <a:buSzTx/>
-              <a:buFontTx/>
-              <a:buNone/>
-              <a:tabLst/>
-              <a:defRPr/>
-            </a:pPr>
-            <a:endParaRPr kumimoji="1" lang="ja-JP" altLang="en-US" sz="1800" b="0" i="0" u="none" strike="noStrike" kern="1200" cap="none" spc="0" normalizeH="0" baseline="0" noProof="0">
-              <a:ln>
-                <a:noFill/>
-              </a:ln>
-              <a:solidFill>
-                <a:prstClr val="white"/>
-              </a:solidFill>
-              <a:effectLst/>
-              <a:uLnTx/>
-              <a:uFillTx/>
-              <a:latin typeface="Trebuchet MS" panose="020B0603020202020204"/>
-              <a:ea typeface="メイリオ" panose="020B0604030504040204" pitchFamily="50" charset="-128"/>
-              <a:cs typeface="+mn-cs"/>
-            </a:endParaRPr>
-          </a:p>
-        </p:txBody>
-      </p:sp>
-      <p:sp>
-        <p:nvSpPr>
           <p:cNvPr id="23" name="正方形/長方形 22">
             <a:extLst>
               <a:ext uri="{FF2B5EF4-FFF2-40B4-BE49-F238E27FC236}">
@@ -13936,191 +14102,6 @@
               </a:rPr>
               <a:t>②幅</a:t>
             </a:r>
-          </a:p>
-        </p:txBody>
-      </p:sp>
-      <p:sp>
-        <p:nvSpPr>
-          <p:cNvPr id="30" name="矢印: ストライプ 29">
-            <a:extLst>
-              <a:ext uri="{FF2B5EF4-FFF2-40B4-BE49-F238E27FC236}">
-                <a16:creationId xmlns:a16="http://schemas.microsoft.com/office/drawing/2014/main" id="{174BF0DF-2DBB-2300-0F6C-CDAE06742DCC}"/>
-              </a:ext>
-            </a:extLst>
-          </p:cNvPr>
-          <p:cNvSpPr/>
-          <p:nvPr/>
-        </p:nvSpPr>
-        <p:spPr>
-          <a:xfrm>
-            <a:off x="2129883" y="4112950"/>
-            <a:ext cx="2441048" cy="1054177"/>
-          </a:xfrm>
-          <a:prstGeom prst="stripedRightArrow">
-            <a:avLst/>
-          </a:prstGeom>
-          <a:solidFill>
-            <a:schemeClr val="accent1"/>
-          </a:solidFill>
-          <a:ln>
-            <a:noFill/>
-          </a:ln>
-        </p:spPr>
-        <p:style>
-          <a:lnRef idx="2">
-            <a:schemeClr val="accent1">
-              <a:shade val="50000"/>
-            </a:schemeClr>
-          </a:lnRef>
-          <a:fillRef idx="1">
-            <a:schemeClr val="accent1"/>
-          </a:fillRef>
-          <a:effectRef idx="0">
-            <a:schemeClr val="accent1"/>
-          </a:effectRef>
-          <a:fontRef idx="minor">
-            <a:schemeClr val="lt1"/>
-          </a:fontRef>
-        </p:style>
-        <p:txBody>
-          <a:bodyPr rtlCol="0" anchor="ctr"/>
-          <a:lstStyle/>
-          <a:p>
-            <a:pPr marL="0" marR="0" lvl="0" indent="0" algn="ctr" defTabSz="457200" rtl="0" eaLnBrk="1" fontAlgn="auto" latinLnBrk="0" hangingPunct="1">
-              <a:lnSpc>
-                <a:spcPct val="100000"/>
-              </a:lnSpc>
-              <a:spcBef>
-                <a:spcPts val="0"/>
-              </a:spcBef>
-              <a:spcAft>
-                <a:spcPts val="0"/>
-              </a:spcAft>
-              <a:buClrTx/>
-              <a:buSzTx/>
-              <a:buFontTx/>
-              <a:buNone/>
-              <a:tabLst/>
-              <a:defRPr/>
-            </a:pPr>
-            <a:r>
-              <a:rPr kumimoji="1" lang="ja-JP" altLang="en-US" sz="2400" b="0" i="0" u="none" strike="noStrike" kern="1200" cap="none" spc="0" normalizeH="0" baseline="0" noProof="0" dirty="0">
-                <a:ln>
-                  <a:noFill/>
-                </a:ln>
-                <a:solidFill>
-                  <a:prstClr val="black"/>
-                </a:solidFill>
-                <a:effectLst/>
-                <a:uLnTx/>
-                <a:uFillTx/>
-                <a:latin typeface="Trebuchet MS" panose="020B0603020202020204"/>
-                <a:ea typeface="メイリオ" panose="020B0604030504040204" pitchFamily="50" charset="-128"/>
-                <a:cs typeface="+mn-cs"/>
-              </a:rPr>
-              <a:t>①色</a:t>
-            </a:r>
-          </a:p>
-        </p:txBody>
-      </p:sp>
-      <p:sp>
-        <p:nvSpPr>
-          <p:cNvPr id="31" name="矢印: 左右 30">
-            <a:extLst>
-              <a:ext uri="{FF2B5EF4-FFF2-40B4-BE49-F238E27FC236}">
-                <a16:creationId xmlns:a16="http://schemas.microsoft.com/office/drawing/2014/main" id="{6695E0F0-E235-EFCD-C5C6-279829521770}"/>
-              </a:ext>
-            </a:extLst>
-          </p:cNvPr>
-          <p:cNvSpPr/>
-          <p:nvPr/>
-        </p:nvSpPr>
-        <p:spPr>
-          <a:xfrm>
-            <a:off x="4159369" y="5278642"/>
-            <a:ext cx="1027759" cy="1109066"/>
-          </a:xfrm>
-          <a:prstGeom prst="leftRightArrow">
-            <a:avLst>
-              <a:gd name="adj1" fmla="val 42831"/>
-              <a:gd name="adj2" fmla="val 22672"/>
-            </a:avLst>
-          </a:prstGeom>
-          <a:solidFill>
-            <a:schemeClr val="accent1"/>
-          </a:solidFill>
-          <a:ln>
-            <a:noFill/>
-          </a:ln>
-        </p:spPr>
-        <p:style>
-          <a:lnRef idx="2">
-            <a:schemeClr val="accent1">
-              <a:shade val="50000"/>
-            </a:schemeClr>
-          </a:lnRef>
-          <a:fillRef idx="1">
-            <a:schemeClr val="accent1"/>
-          </a:fillRef>
-          <a:effectRef idx="0">
-            <a:schemeClr val="accent1"/>
-          </a:effectRef>
-          <a:fontRef idx="minor">
-            <a:schemeClr val="lt1"/>
-          </a:fontRef>
-        </p:style>
-        <p:txBody>
-          <a:bodyPr rtlCol="0" anchor="ctr"/>
-          <a:lstStyle/>
-          <a:p>
-            <a:pPr marL="0" marR="0" lvl="0" indent="0" algn="ctr" defTabSz="457200" rtl="0" eaLnBrk="1" fontAlgn="auto" latinLnBrk="0" hangingPunct="1">
-              <a:lnSpc>
-                <a:spcPct val="100000"/>
-              </a:lnSpc>
-              <a:spcBef>
-                <a:spcPts val="0"/>
-              </a:spcBef>
-              <a:spcAft>
-                <a:spcPts val="0"/>
-              </a:spcAft>
-              <a:buClrTx/>
-              <a:buSzTx/>
-              <a:buFontTx/>
-              <a:buNone/>
-              <a:tabLst/>
-              <a:defRPr/>
-            </a:pPr>
-            <a:r>
-              <a:rPr kumimoji="1" lang="ja-JP" altLang="en-US" sz="2400" b="0" i="0" u="none" strike="noStrike" kern="1200" cap="none" spc="0" normalizeH="0" baseline="0" noProof="0" dirty="0">
-                <a:ln>
-                  <a:noFill/>
-                </a:ln>
-                <a:solidFill>
-                  <a:prstClr val="black"/>
-                </a:solidFill>
-                <a:effectLst/>
-                <a:uLnTx/>
-                <a:uFillTx/>
-                <a:latin typeface="Trebuchet MS" panose="020B0603020202020204"/>
-                <a:ea typeface="メイリオ" panose="020B0604030504040204" pitchFamily="50" charset="-128"/>
-                <a:cs typeface="+mn-cs"/>
-              </a:rPr>
-              <a:t>②幅</a:t>
-            </a:r>
-            <a:endParaRPr kumimoji="1" lang="ja-JP" altLang="en-US" sz="2800" b="0" i="0" u="none" strike="noStrike" kern="1200" cap="none" spc="0" normalizeH="0" baseline="0" noProof="0" dirty="0">
-              <a:ln>
-                <a:noFill/>
-              </a:ln>
-              <a:solidFill>
-                <a:prstClr val="black"/>
-              </a:solidFill>
-              <a:effectLst/>
-              <a:uLnTx/>
-              <a:uFillTx/>
-              <a:latin typeface="Trebuchet MS" panose="020B0603020202020204"/>
-              <a:ea typeface="メイリオ" panose="020B0604030504040204" pitchFamily="50" charset="-128"/>
-              <a:cs typeface="+mn-cs"/>
-            </a:endParaRPr>
           </a:p>
         </p:txBody>
       </p:sp>
@@ -14483,6 +14464,310 @@
               <a:rPr kumimoji="1" lang="ja-JP" altLang="en-US" dirty="0"/>
               <a:t>担当：安部、金指、小島</a:t>
             </a:r>
+          </a:p>
+        </p:txBody>
+      </p:sp>
+      <p:pic>
+        <p:nvPicPr>
+          <p:cNvPr id="17" name="図 16" descr="黒いシャツを着ている少年&#10;&#10;自動的に生成された説明">
+            <a:extLst>
+              <a:ext uri="{FF2B5EF4-FFF2-40B4-BE49-F238E27FC236}">
+                <a16:creationId xmlns:a16="http://schemas.microsoft.com/office/drawing/2014/main" id="{0A8FF728-7EDD-B3C9-CBA4-CAFEADBE8748}"/>
+              </a:ext>
+            </a:extLst>
+          </p:cNvPr>
+          <p:cNvPicPr>
+            <a:picLocks noChangeAspect="1"/>
+          </p:cNvPicPr>
+          <p:nvPr/>
+        </p:nvPicPr>
+        <p:blipFill>
+          <a:blip r:embed="rId5">
+            <a:extLst>
+              <a:ext uri="{28A0092B-C50C-407E-A947-70E740481C1C}">
+                <a14:useLocalDpi xmlns:a14="http://schemas.microsoft.com/office/drawing/2010/main" val="0"/>
+              </a:ext>
+            </a:extLst>
+          </a:blip>
+          <a:stretch>
+            <a:fillRect/>
+          </a:stretch>
+        </p:blipFill>
+        <p:spPr>
+          <a:xfrm>
+            <a:off x="3513815" y="2309164"/>
+            <a:ext cx="2230442" cy="1692272"/>
+          </a:xfrm>
+          <a:prstGeom prst="rect">
+            <a:avLst/>
+          </a:prstGeom>
+        </p:spPr>
+      </p:pic>
+      <p:sp>
+        <p:nvSpPr>
+          <p:cNvPr id="20" name="正方形/長方形 19">
+            <a:extLst>
+              <a:ext uri="{FF2B5EF4-FFF2-40B4-BE49-F238E27FC236}">
+                <a16:creationId xmlns:a16="http://schemas.microsoft.com/office/drawing/2014/main" id="{12F7E54E-74EC-9875-B5EE-688182A9A4C3}"/>
+              </a:ext>
+            </a:extLst>
+          </p:cNvPr>
+          <p:cNvSpPr/>
+          <p:nvPr/>
+        </p:nvSpPr>
+        <p:spPr>
+          <a:xfrm>
+            <a:off x="3558207" y="3847552"/>
+            <a:ext cx="2120349" cy="1908181"/>
+          </a:xfrm>
+          <a:prstGeom prst="rect">
+            <a:avLst/>
+          </a:prstGeom>
+          <a:noFill/>
+          <a:ln w="76200">
+            <a:solidFill>
+              <a:schemeClr val="accent1">
+                <a:lumMod val="75000"/>
+              </a:schemeClr>
+            </a:solidFill>
+          </a:ln>
+        </p:spPr>
+        <p:style>
+          <a:lnRef idx="2">
+            <a:schemeClr val="accent1">
+              <a:shade val="50000"/>
+            </a:schemeClr>
+          </a:lnRef>
+          <a:fillRef idx="1">
+            <a:schemeClr val="accent1"/>
+          </a:fillRef>
+          <a:effectRef idx="0">
+            <a:schemeClr val="accent1"/>
+          </a:effectRef>
+          <a:fontRef idx="minor">
+            <a:schemeClr val="lt1"/>
+          </a:fontRef>
+        </p:style>
+        <p:txBody>
+          <a:bodyPr rtlCol="0" anchor="ctr"/>
+          <a:lstStyle/>
+          <a:p>
+            <a:pPr marL="0" marR="0" lvl="0" indent="0" algn="ctr" defTabSz="457200" rtl="0" eaLnBrk="1" fontAlgn="auto" latinLnBrk="0" hangingPunct="1">
+              <a:lnSpc>
+                <a:spcPct val="100000"/>
+              </a:lnSpc>
+              <a:spcBef>
+                <a:spcPts val="0"/>
+              </a:spcBef>
+              <a:spcAft>
+                <a:spcPts val="0"/>
+              </a:spcAft>
+              <a:buClrTx/>
+              <a:buSzTx/>
+              <a:buFontTx/>
+              <a:buNone/>
+              <a:tabLst/>
+              <a:defRPr/>
+            </a:pPr>
+            <a:endParaRPr kumimoji="1" lang="ja-JP" altLang="en-US" sz="1800" b="0" i="0" u="none" strike="noStrike" kern="1200" cap="none" spc="0" normalizeH="0" baseline="0" noProof="0">
+              <a:ln>
+                <a:noFill/>
+              </a:ln>
+              <a:solidFill>
+                <a:prstClr val="white"/>
+              </a:solidFill>
+              <a:effectLst/>
+              <a:uLnTx/>
+              <a:uFillTx/>
+              <a:latin typeface="Trebuchet MS" panose="020B0603020202020204"/>
+              <a:ea typeface="メイリオ" panose="020B0604030504040204" pitchFamily="50" charset="-128"/>
+              <a:cs typeface="+mn-cs"/>
+            </a:endParaRPr>
+          </a:p>
+        </p:txBody>
+      </p:sp>
+      <p:sp>
+        <p:nvSpPr>
+          <p:cNvPr id="30" name="矢印: ストライプ 29">
+            <a:extLst>
+              <a:ext uri="{FF2B5EF4-FFF2-40B4-BE49-F238E27FC236}">
+                <a16:creationId xmlns:a16="http://schemas.microsoft.com/office/drawing/2014/main" id="{174BF0DF-2DBB-2300-0F6C-CDAE06742DCC}"/>
+              </a:ext>
+            </a:extLst>
+          </p:cNvPr>
+          <p:cNvSpPr/>
+          <p:nvPr/>
+        </p:nvSpPr>
+        <p:spPr>
+          <a:xfrm>
+            <a:off x="2129883" y="4112950"/>
+            <a:ext cx="2441048" cy="1054177"/>
+          </a:xfrm>
+          <a:prstGeom prst="stripedRightArrow">
+            <a:avLst/>
+          </a:prstGeom>
+          <a:solidFill>
+            <a:schemeClr val="accent1"/>
+          </a:solidFill>
+          <a:ln>
+            <a:noFill/>
+          </a:ln>
+        </p:spPr>
+        <p:style>
+          <a:lnRef idx="2">
+            <a:schemeClr val="accent1">
+              <a:shade val="50000"/>
+            </a:schemeClr>
+          </a:lnRef>
+          <a:fillRef idx="1">
+            <a:schemeClr val="accent1"/>
+          </a:fillRef>
+          <a:effectRef idx="0">
+            <a:schemeClr val="accent1"/>
+          </a:effectRef>
+          <a:fontRef idx="minor">
+            <a:schemeClr val="lt1"/>
+          </a:fontRef>
+        </p:style>
+        <p:txBody>
+          <a:bodyPr rtlCol="0" anchor="ctr"/>
+          <a:lstStyle/>
+          <a:p>
+            <a:pPr marL="0" marR="0" lvl="0" indent="0" algn="ctr" defTabSz="457200" rtl="0" eaLnBrk="1" fontAlgn="auto" latinLnBrk="0" hangingPunct="1">
+              <a:lnSpc>
+                <a:spcPct val="100000"/>
+              </a:lnSpc>
+              <a:spcBef>
+                <a:spcPts val="0"/>
+              </a:spcBef>
+              <a:spcAft>
+                <a:spcPts val="0"/>
+              </a:spcAft>
+              <a:buClrTx/>
+              <a:buSzTx/>
+              <a:buFontTx/>
+              <a:buNone/>
+              <a:tabLst/>
+              <a:defRPr/>
+            </a:pPr>
+            <a:r>
+              <a:rPr kumimoji="1" lang="ja-JP" altLang="en-US" sz="2400" b="0" i="0" u="none" strike="noStrike" kern="1200" cap="none" spc="0" normalizeH="0" baseline="0" noProof="0" dirty="0">
+                <a:ln>
+                  <a:noFill/>
+                </a:ln>
+                <a:solidFill>
+                  <a:prstClr val="black"/>
+                </a:solidFill>
+                <a:effectLst/>
+                <a:uLnTx/>
+                <a:uFillTx/>
+                <a:latin typeface="Trebuchet MS" panose="020B0603020202020204"/>
+                <a:ea typeface="メイリオ" panose="020B0604030504040204" pitchFamily="50" charset="-128"/>
+                <a:cs typeface="+mn-cs"/>
+              </a:rPr>
+              <a:t>①色</a:t>
+            </a:r>
+          </a:p>
+        </p:txBody>
+      </p:sp>
+      <p:sp>
+        <p:nvSpPr>
+          <p:cNvPr id="31" name="矢印: 左右 30">
+            <a:extLst>
+              <a:ext uri="{FF2B5EF4-FFF2-40B4-BE49-F238E27FC236}">
+                <a16:creationId xmlns:a16="http://schemas.microsoft.com/office/drawing/2014/main" id="{6695E0F0-E235-EFCD-C5C6-279829521770}"/>
+              </a:ext>
+            </a:extLst>
+          </p:cNvPr>
+          <p:cNvSpPr/>
+          <p:nvPr/>
+        </p:nvSpPr>
+        <p:spPr>
+          <a:xfrm>
+            <a:off x="4159369" y="5278642"/>
+            <a:ext cx="1027759" cy="1109066"/>
+          </a:xfrm>
+          <a:prstGeom prst="leftRightArrow">
+            <a:avLst>
+              <a:gd name="adj1" fmla="val 42831"/>
+              <a:gd name="adj2" fmla="val 22672"/>
+            </a:avLst>
+          </a:prstGeom>
+          <a:solidFill>
+            <a:schemeClr val="accent1"/>
+          </a:solidFill>
+          <a:ln>
+            <a:noFill/>
+          </a:ln>
+        </p:spPr>
+        <p:style>
+          <a:lnRef idx="2">
+            <a:schemeClr val="accent1">
+              <a:shade val="50000"/>
+            </a:schemeClr>
+          </a:lnRef>
+          <a:fillRef idx="1">
+            <a:schemeClr val="accent1"/>
+          </a:fillRef>
+          <a:effectRef idx="0">
+            <a:schemeClr val="accent1"/>
+          </a:effectRef>
+          <a:fontRef idx="minor">
+            <a:schemeClr val="lt1"/>
+          </a:fontRef>
+        </p:style>
+        <p:txBody>
+          <a:bodyPr rtlCol="0" anchor="ctr"/>
+          <a:lstStyle/>
+          <a:p>
+            <a:pPr marL="0" marR="0" lvl="0" indent="0" algn="ctr" defTabSz="457200" rtl="0" eaLnBrk="1" fontAlgn="auto" latinLnBrk="0" hangingPunct="1">
+              <a:lnSpc>
+                <a:spcPct val="100000"/>
+              </a:lnSpc>
+              <a:spcBef>
+                <a:spcPts val="0"/>
+              </a:spcBef>
+              <a:spcAft>
+                <a:spcPts val="0"/>
+              </a:spcAft>
+              <a:buClrTx/>
+              <a:buSzTx/>
+              <a:buFontTx/>
+              <a:buNone/>
+              <a:tabLst/>
+              <a:defRPr/>
+            </a:pPr>
+            <a:r>
+              <a:rPr kumimoji="1" lang="ja-JP" altLang="en-US" sz="2400" b="0" i="0" u="none" strike="noStrike" kern="1200" cap="none" spc="0" normalizeH="0" baseline="0" noProof="0" dirty="0">
+                <a:ln>
+                  <a:noFill/>
+                </a:ln>
+                <a:solidFill>
+                  <a:prstClr val="black"/>
+                </a:solidFill>
+                <a:effectLst/>
+                <a:uLnTx/>
+                <a:uFillTx/>
+                <a:latin typeface="Trebuchet MS" panose="020B0603020202020204"/>
+                <a:ea typeface="メイリオ" panose="020B0604030504040204" pitchFamily="50" charset="-128"/>
+                <a:cs typeface="+mn-cs"/>
+              </a:rPr>
+              <a:t>②幅</a:t>
+            </a:r>
+            <a:endParaRPr kumimoji="1" lang="ja-JP" altLang="en-US" sz="2800" b="0" i="0" u="none" strike="noStrike" kern="1200" cap="none" spc="0" normalizeH="0" baseline="0" noProof="0" dirty="0">
+              <a:ln>
+                <a:noFill/>
+              </a:ln>
+              <a:solidFill>
+                <a:prstClr val="black"/>
+              </a:solidFill>
+              <a:effectLst/>
+              <a:uLnTx/>
+              <a:uFillTx/>
+              <a:latin typeface="Trebuchet MS" panose="020B0603020202020204"/>
+              <a:ea typeface="メイリオ" panose="020B0604030504040204" pitchFamily="50" charset="-128"/>
+              <a:cs typeface="+mn-cs"/>
+            </a:endParaRPr>
           </a:p>
         </p:txBody>
       </p:sp>
@@ -15421,6 +15706,11 @@
           </p:cNvGraphicFramePr>
           <p:nvPr>
             <p:ph idx="1"/>
+            <p:extLst>
+              <p:ext uri="{D42A27DB-BD31-4B8C-83A1-F6EECF244321}">
+                <p14:modId xmlns:p14="http://schemas.microsoft.com/office/powerpoint/2010/main" val="3170608928"/>
+              </p:ext>
+            </p:extLst>
           </p:nvPr>
         </p:nvGraphicFramePr>
         <p:xfrm>
@@ -15476,7 +15766,7 @@
                       <a:pPr algn="ctr"/>
                       <a:r>
                         <a:rPr kumimoji="1" lang="ja-JP" altLang="en-US" sz="2800" dirty="0"/>
-                        <a:t>作成における全体構成の把握</a:t>
+                        <a:t>プログラミングにおける全体構成の把握</a:t>
                       </a:r>
                     </a:p>
                   </a:txBody>
@@ -15822,8 +16112,8 @@
         </p:nvSpPr>
         <p:spPr>
           <a:xfrm>
-            <a:off x="354849" y="5819624"/>
-            <a:ext cx="7631864" cy="919209"/>
+            <a:off x="354848" y="5761642"/>
+            <a:ext cx="7858709" cy="977191"/>
           </a:xfrm>
           <a:prstGeom prst="ellipse">
             <a:avLst/>
@@ -15861,7 +16151,7 @@
                   <a:noFill/>
                 </a:ln>
               </a:rPr>
-              <a:t>成長</a:t>
+              <a:t>全体構成が把握できるように</a:t>
             </a:r>
           </a:p>
         </p:txBody>
@@ -16403,8 +16693,8 @@
         </p:nvSpPr>
         <p:spPr>
           <a:xfrm>
-            <a:off x="4757459" y="4828672"/>
-            <a:ext cx="436418" cy="369332"/>
+            <a:off x="4617689" y="4879597"/>
+            <a:ext cx="670003" cy="369332"/>
           </a:xfrm>
           <a:prstGeom prst="rect">
             <a:avLst/>
@@ -16581,8 +16871,8 @@
           <p:nvPr/>
         </p:nvSpPr>
         <p:spPr>
-          <a:xfrm rot="17809949">
-            <a:off x="1837083" y="4389375"/>
+          <a:xfrm rot="17709248">
+            <a:off x="1705748" y="4429277"/>
             <a:ext cx="339191" cy="1435398"/>
           </a:xfrm>
           <a:prstGeom prst="downArrow">
@@ -18706,7 +18996,7 @@
         </p:nvSpPr>
         <p:spPr>
           <a:xfrm>
-            <a:off x="3628739" y="1274744"/>
+            <a:off x="3773222" y="1268270"/>
             <a:ext cx="2855913" cy="1140798"/>
           </a:xfrm>
           <a:prstGeom prst="flowChartAlternateProcess">
@@ -18790,8 +19080,8 @@
         </p:nvSpPr>
         <p:spPr>
           <a:xfrm>
-            <a:off x="4953339" y="5452139"/>
-            <a:ext cx="2364741" cy="822261"/>
+            <a:off x="6096000" y="3479243"/>
+            <a:ext cx="2930851" cy="1287185"/>
           </a:xfrm>
           <a:prstGeom prst="flowChartAlternateProcess">
             <a:avLst/>
@@ -18902,7 +19192,7 @@
         </p:nvSpPr>
         <p:spPr>
           <a:xfrm>
-            <a:off x="2499504" y="2842226"/>
+            <a:off x="2811892" y="3181113"/>
             <a:ext cx="1922660" cy="855599"/>
           </a:xfrm>
           <a:prstGeom prst="flowChartAlternateProcess">
@@ -19020,7 +19310,7 @@
         </p:nvSpPr>
         <p:spPr>
           <a:xfrm>
-            <a:off x="2499504" y="4246484"/>
+            <a:off x="2794359" y="4477896"/>
             <a:ext cx="1922660" cy="855599"/>
           </a:xfrm>
           <a:prstGeom prst="flowChartAlternateProcess">
@@ -19103,236 +19393,6 @@
                 <a:cs typeface="+mn-cs"/>
               </a:rPr>
               <a:t>報告</a:t>
-            </a:r>
-          </a:p>
-        </p:txBody>
-      </p:sp>
-      <p:sp>
-        <p:nvSpPr>
-          <p:cNvPr id="12" name="フローチャート: 代替処理 11">
-            <a:extLst>
-              <a:ext uri="{FF2B5EF4-FFF2-40B4-BE49-F238E27FC236}">
-                <a16:creationId xmlns:a16="http://schemas.microsoft.com/office/drawing/2014/main" id="{5ED9C34E-1EF6-D1B0-73F6-E5EF2224C453}"/>
-              </a:ext>
-            </a:extLst>
-          </p:cNvPr>
-          <p:cNvSpPr/>
-          <p:nvPr/>
-        </p:nvSpPr>
-        <p:spPr>
-          <a:xfrm>
-            <a:off x="6763101" y="3539982"/>
-            <a:ext cx="2510901" cy="998488"/>
-          </a:xfrm>
-          <a:prstGeom prst="flowChartAlternateProcess">
-            <a:avLst/>
-          </a:prstGeom>
-        </p:spPr>
-        <p:style>
-          <a:lnRef idx="2">
-            <a:schemeClr val="accent1">
-              <a:shade val="50000"/>
-            </a:schemeClr>
-          </a:lnRef>
-          <a:fillRef idx="1">
-            <a:schemeClr val="accent1"/>
-          </a:fillRef>
-          <a:effectRef idx="0">
-            <a:schemeClr val="accent1"/>
-          </a:effectRef>
-          <a:fontRef idx="minor">
-            <a:schemeClr val="lt1"/>
-          </a:fontRef>
-        </p:style>
-        <p:txBody>
-          <a:bodyPr rtlCol="0" anchor="ctr"/>
-          <a:lstStyle/>
-          <a:p>
-            <a:pPr marL="0" marR="0" lvl="0" indent="0" algn="ctr" defTabSz="457200" rtl="0" eaLnBrk="1" fontAlgn="auto" latinLnBrk="0" hangingPunct="1">
-              <a:lnSpc>
-                <a:spcPct val="100000"/>
-              </a:lnSpc>
-              <a:spcBef>
-                <a:spcPts val="0"/>
-              </a:spcBef>
-              <a:spcAft>
-                <a:spcPts val="0"/>
-              </a:spcAft>
-              <a:buClrTx/>
-              <a:buSzTx/>
-              <a:buFontTx/>
-              <a:buNone/>
-              <a:tabLst/>
-              <a:defRPr/>
-            </a:pPr>
-            <a:r>
-              <a:rPr kumimoji="1" lang="ja-JP" altLang="en-US" sz="2000" b="1" i="0" u="none" strike="noStrike" kern="1200" cap="none" spc="0" normalizeH="0" baseline="0" noProof="0" dirty="0">
-                <a:ln>
-                  <a:noFill/>
-                </a:ln>
-                <a:solidFill>
-                  <a:prstClr val="black"/>
-                </a:solidFill>
-                <a:effectLst/>
-                <a:uLnTx/>
-                <a:uFillTx/>
-                <a:latin typeface="Trebuchet MS" panose="020B0603020202020204"/>
-                <a:ea typeface="メイリオ" panose="020B0604030504040204" pitchFamily="50" charset="-128"/>
-                <a:cs typeface="+mn-cs"/>
-              </a:rPr>
-              <a:t>長</a:t>
-            </a:r>
-            <a:r>
-              <a:rPr kumimoji="1" lang="ja-JP" altLang="en-US" sz="2000" b="1" i="0" u="none" strike="noStrike" kern="1200" cap="none" spc="0" normalizeH="0" baseline="0" noProof="0" dirty="0">
-                <a:ln>
-                  <a:noFill/>
-                </a:ln>
-                <a:solidFill>
-                  <a:sysClr val="windowText" lastClr="000000"/>
-                </a:solidFill>
-                <a:effectLst/>
-                <a:uLnTx/>
-                <a:uFillTx/>
-                <a:latin typeface="Trebuchet MS" panose="020B0603020202020204"/>
-                <a:ea typeface="メイリオ" panose="020B0604030504040204" pitchFamily="50" charset="-128"/>
-                <a:cs typeface="+mn-cs"/>
-              </a:rPr>
-              <a:t>期目標 </a:t>
-            </a:r>
-            <a:r>
-              <a:rPr kumimoji="1" lang="ja-JP" altLang="en-US" sz="2000" b="1" i="0" u="none" strike="noStrike" kern="1200" cap="none" spc="0" normalizeH="0" baseline="0" noProof="0" dirty="0">
-                <a:ln>
-                  <a:noFill/>
-                </a:ln>
-                <a:solidFill>
-                  <a:srgbClr val="FF0000"/>
-                </a:solidFill>
-                <a:effectLst/>
-                <a:uLnTx/>
-                <a:uFillTx/>
-                <a:latin typeface="Trebuchet MS" panose="020B0603020202020204"/>
-                <a:ea typeface="メイリオ" panose="020B0604030504040204" pitchFamily="50" charset="-128"/>
-                <a:cs typeface="+mn-cs"/>
-              </a:rPr>
-              <a:t>消去</a:t>
-            </a:r>
-          </a:p>
-        </p:txBody>
-      </p:sp>
-      <p:sp>
-        <p:nvSpPr>
-          <p:cNvPr id="19" name="フローチャート: 代替処理 18">
-            <a:extLst>
-              <a:ext uri="{FF2B5EF4-FFF2-40B4-BE49-F238E27FC236}">
-                <a16:creationId xmlns:a16="http://schemas.microsoft.com/office/drawing/2014/main" id="{EC103CA3-9562-64A6-6CE6-BDBA887CE0C6}"/>
-              </a:ext>
-            </a:extLst>
-          </p:cNvPr>
-          <p:cNvSpPr/>
-          <p:nvPr/>
-        </p:nvSpPr>
-        <p:spPr>
-          <a:xfrm>
-            <a:off x="8191056" y="1734641"/>
-            <a:ext cx="2364741" cy="822261"/>
-          </a:xfrm>
-          <a:prstGeom prst="flowChartAlternateProcess">
-            <a:avLst/>
-          </a:prstGeom>
-          <a:solidFill>
-            <a:schemeClr val="accent1"/>
-          </a:solidFill>
-          <a:ln>
-            <a:solidFill>
-              <a:srgbClr val="0070C0"/>
-            </a:solidFill>
-          </a:ln>
-        </p:spPr>
-        <p:style>
-          <a:lnRef idx="0">
-            <a:scrgbClr r="0" g="0" b="0"/>
-          </a:lnRef>
-          <a:fillRef idx="0">
-            <a:scrgbClr r="0" g="0" b="0"/>
-          </a:fillRef>
-          <a:effectRef idx="0">
-            <a:scrgbClr r="0" g="0" b="0"/>
-          </a:effectRef>
-          <a:fontRef idx="minor">
-            <a:schemeClr val="lt1"/>
-          </a:fontRef>
-        </p:style>
-        <p:txBody>
-          <a:bodyPr rtlCol="0" anchor="ctr"/>
-          <a:lstStyle/>
-          <a:p>
-            <a:pPr marL="0" marR="0" lvl="0" indent="0" algn="ctr" defTabSz="457200" rtl="0" eaLnBrk="1" fontAlgn="auto" latinLnBrk="0" hangingPunct="1">
-              <a:lnSpc>
-                <a:spcPct val="100000"/>
-              </a:lnSpc>
-              <a:spcBef>
-                <a:spcPts val="0"/>
-              </a:spcBef>
-              <a:spcAft>
-                <a:spcPts val="0"/>
-              </a:spcAft>
-              <a:buClrTx/>
-              <a:buSzTx/>
-              <a:buFontTx/>
-              <a:buNone/>
-              <a:tabLst/>
-              <a:defRPr/>
-            </a:pPr>
-            <a:r>
-              <a:rPr kumimoji="1" lang="ja-JP" altLang="en-US" sz="2000" b="1" i="0" u="none" strike="noStrike" kern="1200" cap="none" spc="0" normalizeH="0" baseline="0" noProof="0" dirty="0">
-                <a:ln>
-                  <a:noFill/>
-                </a:ln>
-                <a:solidFill>
-                  <a:prstClr val="black"/>
-                </a:solidFill>
-                <a:effectLst/>
-                <a:uLnTx/>
-                <a:uFillTx/>
-                <a:latin typeface="Trebuchet MS" panose="020B0603020202020204"/>
-                <a:ea typeface="メイリオ" panose="020B0604030504040204" pitchFamily="50" charset="-128"/>
-                <a:cs typeface="+mn-cs"/>
-              </a:rPr>
-              <a:t>長</a:t>
-            </a:r>
-            <a:r>
-              <a:rPr kumimoji="1" lang="ja-JP" altLang="en-US" sz="2000" b="1" i="0" u="none" strike="noStrike" kern="1200" cap="none" spc="0" normalizeH="0" baseline="0" noProof="0" dirty="0">
-                <a:ln>
-                  <a:noFill/>
-                </a:ln>
-                <a:solidFill>
-                  <a:sysClr val="windowText" lastClr="000000"/>
-                </a:solidFill>
-                <a:effectLst/>
-                <a:uLnTx/>
-                <a:uFillTx/>
-                <a:latin typeface="Trebuchet MS" panose="020B0603020202020204"/>
-                <a:ea typeface="メイリオ" panose="020B0604030504040204" pitchFamily="50" charset="-128"/>
-                <a:cs typeface="+mn-cs"/>
-              </a:rPr>
-              <a:t>期目標 </a:t>
-            </a:r>
-            <a:r>
-              <a:rPr kumimoji="1" lang="ja-JP" altLang="en-US" sz="2000" b="1" i="0" u="none" strike="noStrike" kern="1200" cap="none" spc="0" normalizeH="0" baseline="0" noProof="0" dirty="0">
-                <a:ln>
-                  <a:noFill/>
-                </a:ln>
-                <a:solidFill>
-                  <a:srgbClr val="FF0000"/>
-                </a:solidFill>
-                <a:effectLst/>
-                <a:uLnTx/>
-                <a:uFillTx/>
-                <a:latin typeface="Trebuchet MS" panose="020B0603020202020204"/>
-                <a:ea typeface="メイリオ" panose="020B0604030504040204" pitchFamily="50" charset="-128"/>
-                <a:cs typeface="+mn-cs"/>
-              </a:rPr>
-              <a:t>全消去</a:t>
             </a:r>
           </a:p>
         </p:txBody>
@@ -19368,7 +19428,7 @@
         </p:blipFill>
         <p:spPr>
           <a:xfrm>
-            <a:off x="2903665" y="3477798"/>
+            <a:off x="3246565" y="3748180"/>
             <a:ext cx="1018248" cy="1018248"/>
           </a:xfrm>
           <a:prstGeom prst="rect">
@@ -19376,438 +19436,6 @@
           </a:prstGeom>
         </p:spPr>
       </p:pic>
-      <p:pic>
-        <p:nvPicPr>
-          <p:cNvPr id="30" name="グラフィックス 29" descr="矢印: 反時計回りの曲線 単色塗りつぶし">
-            <a:extLst>
-              <a:ext uri="{FF2B5EF4-FFF2-40B4-BE49-F238E27FC236}">
-                <a16:creationId xmlns:a16="http://schemas.microsoft.com/office/drawing/2014/main" id="{70327FF0-5BDB-E27A-B0DE-DEF355C91AEE}"/>
-              </a:ext>
-            </a:extLst>
-          </p:cNvPr>
-          <p:cNvPicPr>
-            <a:picLocks noChangeAspect="1"/>
-          </p:cNvPicPr>
-          <p:nvPr/>
-        </p:nvPicPr>
-        <p:blipFill>
-          <a:blip r:embed="rId7">
-            <a:extLst>
-              <a:ext uri="{28A0092B-C50C-407E-A947-70E740481C1C}">
-                <a14:useLocalDpi xmlns:a14="http://schemas.microsoft.com/office/drawing/2010/main" val="0"/>
-              </a:ext>
-              <a:ext uri="{96DAC541-7B7A-43D3-8B79-37D633B846F1}">
-                <asvg:svgBlip xmlns:asvg="http://schemas.microsoft.com/office/drawing/2016/SVG/main" r:embed="rId8"/>
-              </a:ext>
-            </a:extLst>
-          </a:blip>
-          <a:stretch>
-            <a:fillRect/>
-          </a:stretch>
-        </p:blipFill>
-        <p:spPr>
-          <a:xfrm rot="2859578">
-            <a:off x="8688046" y="2512874"/>
-            <a:ext cx="1370760" cy="1370760"/>
-          </a:xfrm>
-          <a:prstGeom prst="rect">
-            <a:avLst/>
-          </a:prstGeom>
-        </p:spPr>
-      </p:pic>
-      <p:sp>
-        <p:nvSpPr>
-          <p:cNvPr id="32" name="吹き出し: 円形 31">
-            <a:extLst>
-              <a:ext uri="{FF2B5EF4-FFF2-40B4-BE49-F238E27FC236}">
-                <a16:creationId xmlns:a16="http://schemas.microsoft.com/office/drawing/2014/main" id="{8C9D5562-5A76-34D5-9011-EFF353F94F15}"/>
-              </a:ext>
-            </a:extLst>
-          </p:cNvPr>
-          <p:cNvSpPr/>
-          <p:nvPr/>
-        </p:nvSpPr>
-        <p:spPr>
-          <a:xfrm>
-            <a:off x="1005244" y="5354362"/>
-            <a:ext cx="2078182" cy="1001827"/>
-          </a:xfrm>
-          <a:prstGeom prst="wedgeEllipseCallout">
-            <a:avLst>
-              <a:gd name="adj1" fmla="val 51967"/>
-              <a:gd name="adj2" fmla="val -66943"/>
-            </a:avLst>
-          </a:prstGeom>
-        </p:spPr>
-        <p:style>
-          <a:lnRef idx="2">
-            <a:schemeClr val="accent1">
-              <a:shade val="50000"/>
-            </a:schemeClr>
-          </a:lnRef>
-          <a:fillRef idx="1">
-            <a:schemeClr val="accent1"/>
-          </a:fillRef>
-          <a:effectRef idx="0">
-            <a:schemeClr val="accent1"/>
-          </a:effectRef>
-          <a:fontRef idx="minor">
-            <a:schemeClr val="lt1"/>
-          </a:fontRef>
-        </p:style>
-        <p:txBody>
-          <a:bodyPr rtlCol="0" anchor="ctr"/>
-          <a:lstStyle/>
-          <a:p>
-            <a:pPr marL="0" marR="0" lvl="0" indent="0" algn="ctr" defTabSz="457200" rtl="0" eaLnBrk="1" fontAlgn="auto" latinLnBrk="0" hangingPunct="1">
-              <a:lnSpc>
-                <a:spcPct val="100000"/>
-              </a:lnSpc>
-              <a:spcBef>
-                <a:spcPts val="0"/>
-              </a:spcBef>
-              <a:spcAft>
-                <a:spcPts val="0"/>
-              </a:spcAft>
-              <a:buClrTx/>
-              <a:buSzTx/>
-              <a:buFontTx/>
-              <a:buNone/>
-              <a:tabLst/>
-              <a:defRPr/>
-            </a:pPr>
-            <a:r>
-              <a:rPr kumimoji="1" lang="en-US" altLang="ja-JP" sz="2000" b="1" dirty="0">
-                <a:solidFill>
-                  <a:srgbClr val="FF0000"/>
-                </a:solidFill>
-                <a:latin typeface="Trebuchet MS" panose="020B0603020202020204"/>
-                <a:ea typeface="メイリオ" panose="020B0604030504040204" pitchFamily="50" charset="-128"/>
-              </a:rPr>
-              <a:t>2</a:t>
-            </a:r>
-            <a:r>
-              <a:rPr kumimoji="1" lang="ja-JP" altLang="en-US" sz="2000" b="1" dirty="0">
-                <a:solidFill>
-                  <a:srgbClr val="FF0000"/>
-                </a:solidFill>
-                <a:latin typeface="Trebuchet MS" panose="020B0603020202020204"/>
-                <a:ea typeface="メイリオ" panose="020B0604030504040204" pitchFamily="50" charset="-128"/>
-              </a:rPr>
-              <a:t>週間</a:t>
-            </a:r>
-            <a:endParaRPr kumimoji="1" lang="en-US" altLang="ja-JP" sz="2000" b="1" i="0" u="none" strike="noStrike" kern="1200" cap="none" spc="0" normalizeH="0" baseline="0" noProof="0" dirty="0">
-              <a:ln>
-                <a:noFill/>
-              </a:ln>
-              <a:solidFill>
-                <a:sysClr val="windowText" lastClr="000000"/>
-              </a:solidFill>
-              <a:effectLst/>
-              <a:uLnTx/>
-              <a:uFillTx/>
-              <a:latin typeface="Trebuchet MS" panose="020B0603020202020204"/>
-              <a:ea typeface="メイリオ" panose="020B0604030504040204" pitchFamily="50" charset="-128"/>
-              <a:cs typeface="+mn-cs"/>
-            </a:endParaRPr>
-          </a:p>
-          <a:p>
-            <a:pPr marL="0" marR="0" lvl="0" indent="0" algn="ctr" defTabSz="457200" rtl="0" eaLnBrk="1" fontAlgn="auto" latinLnBrk="0" hangingPunct="1">
-              <a:lnSpc>
-                <a:spcPct val="100000"/>
-              </a:lnSpc>
-              <a:spcBef>
-                <a:spcPts val="0"/>
-              </a:spcBef>
-              <a:spcAft>
-                <a:spcPts val="0"/>
-              </a:spcAft>
-              <a:buClrTx/>
-              <a:buSzTx/>
-              <a:buFontTx/>
-              <a:buNone/>
-              <a:tabLst/>
-              <a:defRPr/>
-            </a:pPr>
-            <a:r>
-              <a:rPr kumimoji="1" lang="ja-JP" altLang="en-US" sz="2000" b="1" i="0" u="none" strike="noStrike" kern="1200" cap="none" spc="0" normalizeH="0" baseline="0" noProof="0" dirty="0">
-                <a:ln>
-                  <a:noFill/>
-                </a:ln>
-                <a:solidFill>
-                  <a:prstClr val="black"/>
-                </a:solidFill>
-                <a:effectLst/>
-                <a:uLnTx/>
-                <a:uFillTx/>
-                <a:latin typeface="Trebuchet MS" panose="020B0603020202020204"/>
-                <a:ea typeface="メイリオ" panose="020B0604030504040204" pitchFamily="50" charset="-128"/>
-                <a:cs typeface="+mn-cs"/>
-              </a:rPr>
-              <a:t>達成</a:t>
-            </a:r>
-          </a:p>
-        </p:txBody>
-      </p:sp>
-      <p:sp>
-        <p:nvSpPr>
-          <p:cNvPr id="14" name="フローチャート: 代替処理 13">
-            <a:extLst>
-              <a:ext uri="{FF2B5EF4-FFF2-40B4-BE49-F238E27FC236}">
-                <a16:creationId xmlns:a16="http://schemas.microsoft.com/office/drawing/2014/main" id="{1919CF43-EA87-7431-16B2-E64181CCAE9A}"/>
-              </a:ext>
-            </a:extLst>
-          </p:cNvPr>
-          <p:cNvSpPr/>
-          <p:nvPr/>
-        </p:nvSpPr>
-        <p:spPr>
-          <a:xfrm>
-            <a:off x="3628739" y="1271507"/>
-            <a:ext cx="2855913" cy="1140798"/>
-          </a:xfrm>
-          <a:prstGeom prst="flowChartAlternateProcess">
-            <a:avLst/>
-          </a:prstGeom>
-          <a:solidFill>
-            <a:schemeClr val="accent1"/>
-          </a:solidFill>
-          <a:ln>
-            <a:solidFill>
-              <a:srgbClr val="0070C0"/>
-            </a:solidFill>
-          </a:ln>
-        </p:spPr>
-        <p:style>
-          <a:lnRef idx="0">
-            <a:scrgbClr r="0" g="0" b="0"/>
-          </a:lnRef>
-          <a:fillRef idx="0">
-            <a:scrgbClr r="0" g="0" b="0"/>
-          </a:fillRef>
-          <a:effectRef idx="0">
-            <a:scrgbClr r="0" g="0" b="0"/>
-          </a:effectRef>
-          <a:fontRef idx="minor">
-            <a:schemeClr val="lt1"/>
-          </a:fontRef>
-        </p:style>
-        <p:txBody>
-          <a:bodyPr rtlCol="0" anchor="ctr"/>
-          <a:lstStyle/>
-          <a:p>
-            <a:pPr marL="0" marR="0" lvl="0" indent="0" algn="ctr" defTabSz="457200" rtl="0" eaLnBrk="1" fontAlgn="auto" latinLnBrk="0" hangingPunct="1">
-              <a:lnSpc>
-                <a:spcPct val="100000"/>
-              </a:lnSpc>
-              <a:spcBef>
-                <a:spcPts val="0"/>
-              </a:spcBef>
-              <a:spcAft>
-                <a:spcPts val="0"/>
-              </a:spcAft>
-              <a:buClrTx/>
-              <a:buSzTx/>
-              <a:buFontTx/>
-              <a:buNone/>
-              <a:tabLst/>
-              <a:defRPr/>
-            </a:pPr>
-            <a:r>
-              <a:rPr kumimoji="1" lang="ja-JP" altLang="en-US" sz="2000" b="1" i="0" u="none" strike="noStrike" kern="1200" cap="none" spc="0" normalizeH="0" baseline="0" noProof="0" dirty="0">
-                <a:ln>
-                  <a:noFill/>
-                </a:ln>
-                <a:solidFill>
-                  <a:prstClr val="black"/>
-                </a:solidFill>
-                <a:effectLst/>
-                <a:uLnTx/>
-                <a:uFillTx/>
-                <a:latin typeface="Trebuchet MS" panose="020B0603020202020204"/>
-                <a:ea typeface="メイリオ" panose="020B0604030504040204" pitchFamily="50" charset="-128"/>
-                <a:cs typeface="+mn-cs"/>
-              </a:rPr>
-              <a:t>長</a:t>
-            </a:r>
-            <a:r>
-              <a:rPr kumimoji="1" lang="ja-JP" altLang="en-US" sz="2000" b="1" i="0" u="none" strike="noStrike" kern="1200" cap="none" spc="0" normalizeH="0" baseline="0" noProof="0" dirty="0">
-                <a:ln>
-                  <a:noFill/>
-                </a:ln>
-                <a:solidFill>
-                  <a:sysClr val="windowText" lastClr="000000"/>
-                </a:solidFill>
-                <a:effectLst/>
-                <a:uLnTx/>
-                <a:uFillTx/>
-                <a:latin typeface="Trebuchet MS" panose="020B0603020202020204"/>
-                <a:ea typeface="メイリオ" panose="020B0604030504040204" pitchFamily="50" charset="-128"/>
-                <a:cs typeface="+mn-cs"/>
-              </a:rPr>
-              <a:t>期目標 </a:t>
-            </a:r>
-            <a:r>
-              <a:rPr kumimoji="1" lang="ja-JP" altLang="en-US" sz="2000" b="1" dirty="0">
-                <a:solidFill>
-                  <a:prstClr val="black"/>
-                </a:solidFill>
-                <a:latin typeface="Trebuchet MS" panose="020B0603020202020204"/>
-                <a:ea typeface="メイリオ" panose="020B0604030504040204" pitchFamily="50" charset="-128"/>
-              </a:rPr>
-              <a:t>生成</a:t>
-            </a:r>
-            <a:endParaRPr kumimoji="1" lang="ja-JP" altLang="en-US" sz="2000" b="1" i="0" u="none" strike="noStrike" kern="1200" cap="none" spc="0" normalizeH="0" baseline="0" noProof="0" dirty="0">
-              <a:ln>
-                <a:noFill/>
-              </a:ln>
-              <a:solidFill>
-                <a:prstClr val="black"/>
-              </a:solidFill>
-              <a:effectLst/>
-              <a:uLnTx/>
-              <a:uFillTx/>
-              <a:latin typeface="Trebuchet MS" panose="020B0603020202020204"/>
-              <a:ea typeface="メイリオ" panose="020B0604030504040204" pitchFamily="50" charset="-128"/>
-              <a:cs typeface="+mn-cs"/>
-            </a:endParaRPr>
-          </a:p>
-        </p:txBody>
-      </p:sp>
-      <p:sp>
-        <p:nvSpPr>
-          <p:cNvPr id="15" name="吹き出し: 円形 14">
-            <a:extLst>
-              <a:ext uri="{FF2B5EF4-FFF2-40B4-BE49-F238E27FC236}">
-                <a16:creationId xmlns:a16="http://schemas.microsoft.com/office/drawing/2014/main" id="{25A63210-45E4-7C18-30A6-83715EDD8FA7}"/>
-              </a:ext>
-            </a:extLst>
-          </p:cNvPr>
-          <p:cNvSpPr/>
-          <p:nvPr/>
-        </p:nvSpPr>
-        <p:spPr>
-          <a:xfrm>
-            <a:off x="9794408" y="372618"/>
-            <a:ext cx="2078182" cy="1212211"/>
-          </a:xfrm>
-          <a:prstGeom prst="wedgeEllipseCallout">
-            <a:avLst>
-              <a:gd name="adj1" fmla="val -42433"/>
-              <a:gd name="adj2" fmla="val 69138"/>
-            </a:avLst>
-          </a:prstGeom>
-          <a:solidFill>
-            <a:schemeClr val="bg1"/>
-          </a:solidFill>
-        </p:spPr>
-        <p:style>
-          <a:lnRef idx="2">
-            <a:schemeClr val="accent1">
-              <a:shade val="50000"/>
-            </a:schemeClr>
-          </a:lnRef>
-          <a:fillRef idx="1">
-            <a:schemeClr val="accent1"/>
-          </a:fillRef>
-          <a:effectRef idx="0">
-            <a:schemeClr val="accent1"/>
-          </a:effectRef>
-          <a:fontRef idx="minor">
-            <a:schemeClr val="lt1"/>
-          </a:fontRef>
-        </p:style>
-        <p:txBody>
-          <a:bodyPr rtlCol="0" anchor="ctr"/>
-          <a:lstStyle/>
-          <a:p>
-            <a:pPr marL="0" marR="0" lvl="0" indent="0" algn="ctr" defTabSz="457200" rtl="0" eaLnBrk="1" fontAlgn="auto" latinLnBrk="0" hangingPunct="1">
-              <a:lnSpc>
-                <a:spcPct val="100000"/>
-              </a:lnSpc>
-              <a:spcBef>
-                <a:spcPts val="0"/>
-              </a:spcBef>
-              <a:spcAft>
-                <a:spcPts val="0"/>
-              </a:spcAft>
-              <a:buClrTx/>
-              <a:buSzTx/>
-              <a:buFontTx/>
-              <a:buNone/>
-              <a:tabLst/>
-              <a:defRPr/>
-            </a:pPr>
-            <a:r>
-              <a:rPr kumimoji="1" lang="ja-JP" altLang="en-US" sz="2800" b="1" i="0" u="none" strike="noStrike" kern="1200" cap="none" spc="0" normalizeH="0" baseline="0" noProof="0" dirty="0">
-                <a:ln>
-                  <a:noFill/>
-                </a:ln>
-                <a:solidFill>
-                  <a:sysClr val="windowText" lastClr="000000"/>
-                </a:solidFill>
-                <a:effectLst/>
-                <a:uLnTx/>
-                <a:uFillTx/>
-                <a:latin typeface="Trebuchet MS" panose="020B0603020202020204"/>
-                <a:ea typeface="メイリオ" panose="020B0604030504040204" pitchFamily="50" charset="-128"/>
-                <a:cs typeface="+mn-cs"/>
-              </a:rPr>
-              <a:t>祝！</a:t>
-            </a:r>
-            <a:endParaRPr kumimoji="1" lang="en-US" altLang="ja-JP" sz="2800" b="1" i="0" u="none" strike="noStrike" kern="1200" cap="none" spc="0" normalizeH="0" baseline="0" noProof="0" dirty="0">
-              <a:ln>
-                <a:noFill/>
-              </a:ln>
-              <a:solidFill>
-                <a:sysClr val="windowText" lastClr="000000"/>
-              </a:solidFill>
-              <a:effectLst/>
-              <a:uLnTx/>
-              <a:uFillTx/>
-              <a:latin typeface="Trebuchet MS" panose="020B0603020202020204"/>
-              <a:ea typeface="メイリオ" panose="020B0604030504040204" pitchFamily="50" charset="-128"/>
-              <a:cs typeface="+mn-cs"/>
-            </a:endParaRPr>
-          </a:p>
-          <a:p>
-            <a:pPr marL="0" marR="0" lvl="0" indent="0" algn="ctr" defTabSz="457200" rtl="0" eaLnBrk="1" fontAlgn="auto" latinLnBrk="0" hangingPunct="1">
-              <a:lnSpc>
-                <a:spcPct val="100000"/>
-              </a:lnSpc>
-              <a:spcBef>
-                <a:spcPts val="0"/>
-              </a:spcBef>
-              <a:spcAft>
-                <a:spcPts val="0"/>
-              </a:spcAft>
-              <a:buClrTx/>
-              <a:buSzTx/>
-              <a:buFontTx/>
-              <a:buNone/>
-              <a:tabLst/>
-              <a:defRPr/>
-            </a:pPr>
-            <a:r>
-              <a:rPr kumimoji="1" lang="ja-JP" altLang="en-US" sz="2800" b="1" i="0" u="none" strike="noStrike" kern="1200" cap="none" spc="0" normalizeH="0" baseline="0" noProof="0" dirty="0">
-                <a:ln>
-                  <a:noFill/>
-                </a:ln>
-                <a:solidFill>
-                  <a:sysClr val="windowText" lastClr="000000"/>
-                </a:solidFill>
-                <a:effectLst/>
-                <a:uLnTx/>
-                <a:uFillTx/>
-                <a:latin typeface="Trebuchet MS" panose="020B0603020202020204"/>
-                <a:ea typeface="メイリオ" panose="020B0604030504040204" pitchFamily="50" charset="-128"/>
-                <a:cs typeface="+mn-cs"/>
-              </a:rPr>
-              <a:t>卒業</a:t>
-            </a:r>
-          </a:p>
-        </p:txBody>
-      </p:sp>
     </p:spTree>
     <p:extLst>
       <p:ext uri="{BB962C8B-B14F-4D97-AF65-F5344CB8AC3E}">
@@ -19818,95 +19446,6 @@
   <p:clrMapOvr>
     <a:masterClrMapping/>
   </p:clrMapOvr>
-  <p:timing>
-    <p:tnLst>
-      <p:par>
-        <p:cTn id="1" dur="indefinite" restart="never" nodeType="tmRoot">
-          <p:childTnLst>
-            <p:seq concurrent="1" nextAc="seek">
-              <p:cTn id="2" dur="indefinite" nodeType="mainSeq">
-                <p:childTnLst>
-                  <p:par>
-                    <p:cTn id="3" fill="hold">
-                      <p:stCondLst>
-                        <p:cond delay="indefinite"/>
-                        <p:cond evt="onBegin" delay="0">
-                          <p:tn val="2"/>
-                        </p:cond>
-                      </p:stCondLst>
-                      <p:childTnLst>
-                        <p:par>
-                          <p:cTn id="4" fill="hold">
-                            <p:stCondLst>
-                              <p:cond delay="0"/>
-                            </p:stCondLst>
-                            <p:childTnLst>
-                              <p:par>
-                                <p:cTn id="5" presetID="14" presetClass="entr" presetSubtype="10" fill="hold" grpId="0" nodeType="withEffect">
-                                  <p:stCondLst>
-                                    <p:cond delay="0"/>
-                                  </p:stCondLst>
-                                  <p:childTnLst>
-                                    <p:set>
-                                      <p:cBhvr>
-                                        <p:cTn id="6" dur="1" fill="hold">
-                                          <p:stCondLst>
-                                            <p:cond delay="0"/>
-                                          </p:stCondLst>
-                                        </p:cTn>
-                                        <p:tgtEl>
-                                          <p:spTgt spid="19"/>
-                                        </p:tgtEl>
-                                        <p:attrNameLst>
-                                          <p:attrName>style.visibility</p:attrName>
-                                        </p:attrNameLst>
-                                      </p:cBhvr>
-                                      <p:to>
-                                        <p:strVal val="visible"/>
-                                      </p:to>
-                                    </p:set>
-                                    <p:animEffect transition="in" filter="randombar(horizontal)">
-                                      <p:cBhvr>
-                                        <p:cTn id="7" dur="500"/>
-                                        <p:tgtEl>
-                                          <p:spTgt spid="19"/>
-                                        </p:tgtEl>
-                                      </p:cBhvr>
-                                    </p:animEffect>
-                                  </p:childTnLst>
-                                </p:cTn>
-                              </p:par>
-                            </p:childTnLst>
-                          </p:cTn>
-                        </p:par>
-                      </p:childTnLst>
-                    </p:cTn>
-                  </p:par>
-                </p:childTnLst>
-              </p:cTn>
-              <p:prevCondLst>
-                <p:cond evt="onPrev" delay="0">
-                  <p:tgtEl>
-                    <p:sldTgt/>
-                  </p:tgtEl>
-                </p:cond>
-              </p:prevCondLst>
-              <p:nextCondLst>
-                <p:cond evt="onNext" delay="0">
-                  <p:tgtEl>
-                    <p:sldTgt/>
-                  </p:tgtEl>
-                </p:cond>
-              </p:nextCondLst>
-            </p:seq>
-          </p:childTnLst>
-        </p:cTn>
-      </p:par>
-    </p:tnLst>
-    <p:bldLst>
-      <p:bldP spid="19" grpId="0" animBg="1"/>
-    </p:bldLst>
-  </p:timing>
 </p:sld>
 </file>
 
@@ -19970,7 +19509,7 @@
                   <a:schemeClr val="tx1"/>
                 </a:solidFill>
               </a:rPr>
-              <a:t>の悩み：続かない</a:t>
+              <a:t>の悩み①：続かない</a:t>
             </a:r>
           </a:p>
         </p:txBody>
@@ -20002,7 +19541,7 @@
         </p:blipFill>
         <p:spPr>
           <a:xfrm>
-            <a:off x="0" y="1189501"/>
+            <a:off x="-25217" y="1237387"/>
             <a:ext cx="3589356" cy="3690214"/>
           </a:xfrm>
           <a:prstGeom prst="rect">
@@ -20354,6 +19893,448 @@
           </a:p>
         </p:txBody>
       </p:sp>
+      <p:sp>
+        <p:nvSpPr>
+          <p:cNvPr id="12" name="楕円 11">
+            <a:extLst>
+              <a:ext uri="{FF2B5EF4-FFF2-40B4-BE49-F238E27FC236}">
+                <a16:creationId xmlns:a16="http://schemas.microsoft.com/office/drawing/2014/main" id="{42D24702-A9B3-3444-13B1-2BFF87A7AD88}"/>
+              </a:ext>
+            </a:extLst>
+          </p:cNvPr>
+          <p:cNvSpPr/>
+          <p:nvPr/>
+        </p:nvSpPr>
+        <p:spPr>
+          <a:xfrm>
+            <a:off x="467225" y="2786232"/>
+            <a:ext cx="210109" cy="201966"/>
+          </a:xfrm>
+          <a:prstGeom prst="ellipse">
+            <a:avLst/>
+          </a:prstGeom>
+          <a:noFill/>
+          <a:ln>
+            <a:solidFill>
+              <a:srgbClr val="FF0000"/>
+            </a:solidFill>
+          </a:ln>
+        </p:spPr>
+        <p:style>
+          <a:lnRef idx="2">
+            <a:schemeClr val="accent1">
+              <a:shade val="50000"/>
+            </a:schemeClr>
+          </a:lnRef>
+          <a:fillRef idx="1">
+            <a:schemeClr val="accent1"/>
+          </a:fillRef>
+          <a:effectRef idx="0">
+            <a:schemeClr val="accent1"/>
+          </a:effectRef>
+          <a:fontRef idx="minor">
+            <a:schemeClr val="lt1"/>
+          </a:fontRef>
+        </p:style>
+        <p:txBody>
+          <a:bodyPr rtlCol="0" anchor="ctr"/>
+          <a:lstStyle/>
+          <a:p>
+            <a:pPr algn="ctr"/>
+            <a:endParaRPr kumimoji="1" lang="ja-JP" altLang="en-US"/>
+          </a:p>
+        </p:txBody>
+      </p:sp>
+      <p:sp>
+        <p:nvSpPr>
+          <p:cNvPr id="13" name="楕円 12">
+            <a:extLst>
+              <a:ext uri="{FF2B5EF4-FFF2-40B4-BE49-F238E27FC236}">
+                <a16:creationId xmlns:a16="http://schemas.microsoft.com/office/drawing/2014/main" id="{AFF47A52-E6D2-C87A-7469-C9240E451AED}"/>
+              </a:ext>
+            </a:extLst>
+          </p:cNvPr>
+          <p:cNvSpPr/>
+          <p:nvPr/>
+        </p:nvSpPr>
+        <p:spPr>
+          <a:xfrm>
+            <a:off x="467224" y="3277279"/>
+            <a:ext cx="210109" cy="201966"/>
+          </a:xfrm>
+          <a:prstGeom prst="ellipse">
+            <a:avLst/>
+          </a:prstGeom>
+          <a:noFill/>
+          <a:ln>
+            <a:solidFill>
+              <a:srgbClr val="FF0000"/>
+            </a:solidFill>
+          </a:ln>
+        </p:spPr>
+        <p:style>
+          <a:lnRef idx="2">
+            <a:schemeClr val="accent1">
+              <a:shade val="50000"/>
+            </a:schemeClr>
+          </a:lnRef>
+          <a:fillRef idx="1">
+            <a:schemeClr val="accent1"/>
+          </a:fillRef>
+          <a:effectRef idx="0">
+            <a:schemeClr val="accent1"/>
+          </a:effectRef>
+          <a:fontRef idx="minor">
+            <a:schemeClr val="lt1"/>
+          </a:fontRef>
+        </p:style>
+        <p:txBody>
+          <a:bodyPr rtlCol="0" anchor="ctr"/>
+          <a:lstStyle/>
+          <a:p>
+            <a:pPr algn="ctr"/>
+            <a:endParaRPr kumimoji="1" lang="ja-JP" altLang="en-US"/>
+          </a:p>
+        </p:txBody>
+      </p:sp>
+      <p:sp>
+        <p:nvSpPr>
+          <p:cNvPr id="14" name="楕円 13">
+            <a:extLst>
+              <a:ext uri="{FF2B5EF4-FFF2-40B4-BE49-F238E27FC236}">
+                <a16:creationId xmlns:a16="http://schemas.microsoft.com/office/drawing/2014/main" id="{4119F1C4-E7E4-D1B7-DAB5-26278014EE36}"/>
+              </a:ext>
+            </a:extLst>
+          </p:cNvPr>
+          <p:cNvSpPr/>
+          <p:nvPr/>
+        </p:nvSpPr>
+        <p:spPr>
+          <a:xfrm>
+            <a:off x="467224" y="4537043"/>
+            <a:ext cx="210109" cy="201966"/>
+          </a:xfrm>
+          <a:prstGeom prst="ellipse">
+            <a:avLst/>
+          </a:prstGeom>
+          <a:noFill/>
+          <a:ln>
+            <a:solidFill>
+              <a:srgbClr val="FF0000"/>
+            </a:solidFill>
+          </a:ln>
+        </p:spPr>
+        <p:style>
+          <a:lnRef idx="2">
+            <a:schemeClr val="accent1">
+              <a:shade val="50000"/>
+            </a:schemeClr>
+          </a:lnRef>
+          <a:fillRef idx="1">
+            <a:schemeClr val="accent1"/>
+          </a:fillRef>
+          <a:effectRef idx="0">
+            <a:schemeClr val="accent1"/>
+          </a:effectRef>
+          <a:fontRef idx="minor">
+            <a:schemeClr val="lt1"/>
+          </a:fontRef>
+        </p:style>
+        <p:txBody>
+          <a:bodyPr rtlCol="0" anchor="ctr"/>
+          <a:lstStyle/>
+          <a:p>
+            <a:pPr algn="ctr"/>
+            <a:endParaRPr kumimoji="1" lang="ja-JP" altLang="en-US"/>
+          </a:p>
+        </p:txBody>
+      </p:sp>
+      <p:sp>
+        <p:nvSpPr>
+          <p:cNvPr id="15" name="楕円 14">
+            <a:extLst>
+              <a:ext uri="{FF2B5EF4-FFF2-40B4-BE49-F238E27FC236}">
+                <a16:creationId xmlns:a16="http://schemas.microsoft.com/office/drawing/2014/main" id="{223FE416-FAFF-7682-270D-E911D77EF0F1}"/>
+              </a:ext>
+            </a:extLst>
+          </p:cNvPr>
+          <p:cNvSpPr/>
+          <p:nvPr/>
+        </p:nvSpPr>
+        <p:spPr>
+          <a:xfrm>
+            <a:off x="4422453" y="3132738"/>
+            <a:ext cx="210109" cy="201966"/>
+          </a:xfrm>
+          <a:prstGeom prst="ellipse">
+            <a:avLst/>
+          </a:prstGeom>
+          <a:noFill/>
+          <a:ln>
+            <a:solidFill>
+              <a:srgbClr val="FF0000"/>
+            </a:solidFill>
+          </a:ln>
+        </p:spPr>
+        <p:style>
+          <a:lnRef idx="2">
+            <a:schemeClr val="accent1">
+              <a:shade val="50000"/>
+            </a:schemeClr>
+          </a:lnRef>
+          <a:fillRef idx="1">
+            <a:schemeClr val="accent1"/>
+          </a:fillRef>
+          <a:effectRef idx="0">
+            <a:schemeClr val="accent1"/>
+          </a:effectRef>
+          <a:fontRef idx="minor">
+            <a:schemeClr val="lt1"/>
+          </a:fontRef>
+        </p:style>
+        <p:txBody>
+          <a:bodyPr rtlCol="0" anchor="ctr"/>
+          <a:lstStyle/>
+          <a:p>
+            <a:pPr algn="ctr"/>
+            <a:endParaRPr kumimoji="1" lang="ja-JP" altLang="en-US"/>
+          </a:p>
+        </p:txBody>
+      </p:sp>
+      <p:sp>
+        <p:nvSpPr>
+          <p:cNvPr id="16" name="楕円 15">
+            <a:extLst>
+              <a:ext uri="{FF2B5EF4-FFF2-40B4-BE49-F238E27FC236}">
+                <a16:creationId xmlns:a16="http://schemas.microsoft.com/office/drawing/2014/main" id="{DEFEB007-5A07-9971-4DE1-B2D816D0207E}"/>
+              </a:ext>
+            </a:extLst>
+          </p:cNvPr>
+          <p:cNvSpPr/>
+          <p:nvPr/>
+        </p:nvSpPr>
+        <p:spPr>
+          <a:xfrm>
+            <a:off x="4422453" y="3462916"/>
+            <a:ext cx="210109" cy="201966"/>
+          </a:xfrm>
+          <a:prstGeom prst="ellipse">
+            <a:avLst/>
+          </a:prstGeom>
+          <a:noFill/>
+          <a:ln>
+            <a:solidFill>
+              <a:srgbClr val="FF0000"/>
+            </a:solidFill>
+          </a:ln>
+        </p:spPr>
+        <p:style>
+          <a:lnRef idx="2">
+            <a:schemeClr val="accent1">
+              <a:shade val="50000"/>
+            </a:schemeClr>
+          </a:lnRef>
+          <a:fillRef idx="1">
+            <a:schemeClr val="accent1"/>
+          </a:fillRef>
+          <a:effectRef idx="0">
+            <a:schemeClr val="accent1"/>
+          </a:effectRef>
+          <a:fontRef idx="minor">
+            <a:schemeClr val="lt1"/>
+          </a:fontRef>
+        </p:style>
+        <p:txBody>
+          <a:bodyPr rtlCol="0" anchor="ctr"/>
+          <a:lstStyle/>
+          <a:p>
+            <a:pPr algn="ctr"/>
+            <a:endParaRPr kumimoji="1" lang="ja-JP" altLang="en-US"/>
+          </a:p>
+        </p:txBody>
+      </p:sp>
+      <p:sp>
+        <p:nvSpPr>
+          <p:cNvPr id="17" name="楕円 16">
+            <a:extLst>
+              <a:ext uri="{FF2B5EF4-FFF2-40B4-BE49-F238E27FC236}">
+                <a16:creationId xmlns:a16="http://schemas.microsoft.com/office/drawing/2014/main" id="{A8FCD4A7-B7E3-B77F-568A-86D5BB086331}"/>
+              </a:ext>
+            </a:extLst>
+          </p:cNvPr>
+          <p:cNvSpPr/>
+          <p:nvPr/>
+        </p:nvSpPr>
+        <p:spPr>
+          <a:xfrm>
+            <a:off x="4422453" y="3728629"/>
+            <a:ext cx="210109" cy="201966"/>
+          </a:xfrm>
+          <a:prstGeom prst="ellipse">
+            <a:avLst/>
+          </a:prstGeom>
+          <a:noFill/>
+          <a:ln>
+            <a:solidFill>
+              <a:srgbClr val="FF0000"/>
+            </a:solidFill>
+          </a:ln>
+        </p:spPr>
+        <p:style>
+          <a:lnRef idx="2">
+            <a:schemeClr val="accent1">
+              <a:shade val="50000"/>
+            </a:schemeClr>
+          </a:lnRef>
+          <a:fillRef idx="1">
+            <a:schemeClr val="accent1"/>
+          </a:fillRef>
+          <a:effectRef idx="0">
+            <a:schemeClr val="accent1"/>
+          </a:effectRef>
+          <a:fontRef idx="minor">
+            <a:schemeClr val="lt1"/>
+          </a:fontRef>
+        </p:style>
+        <p:txBody>
+          <a:bodyPr rtlCol="0" anchor="ctr"/>
+          <a:lstStyle/>
+          <a:p>
+            <a:pPr algn="ctr"/>
+            <a:endParaRPr kumimoji="1" lang="ja-JP" altLang="en-US"/>
+          </a:p>
+        </p:txBody>
+      </p:sp>
+      <p:cxnSp>
+        <p:nvCxnSpPr>
+          <p:cNvPr id="19" name="直線矢印コネクタ 18">
+            <a:extLst>
+              <a:ext uri="{FF2B5EF4-FFF2-40B4-BE49-F238E27FC236}">
+                <a16:creationId xmlns:a16="http://schemas.microsoft.com/office/drawing/2014/main" id="{01C62EEE-2EAC-3B8A-8D29-F908872625A8}"/>
+              </a:ext>
+            </a:extLst>
+          </p:cNvPr>
+          <p:cNvCxnSpPr/>
+          <p:nvPr/>
+        </p:nvCxnSpPr>
+        <p:spPr>
+          <a:xfrm flipV="1">
+            <a:off x="7780375" y="3233721"/>
+            <a:ext cx="466087" cy="245524"/>
+          </a:xfrm>
+          <a:prstGeom prst="straightConnector1">
+            <a:avLst/>
+          </a:prstGeom>
+          <a:ln>
+            <a:solidFill>
+              <a:srgbClr val="FF0000"/>
+            </a:solidFill>
+            <a:tailEnd type="triangle"/>
+          </a:ln>
+        </p:spPr>
+        <p:style>
+          <a:lnRef idx="1">
+            <a:schemeClr val="accent1"/>
+          </a:lnRef>
+          <a:fillRef idx="0">
+            <a:schemeClr val="accent1"/>
+          </a:fillRef>
+          <a:effectRef idx="0">
+            <a:schemeClr val="accent1"/>
+          </a:effectRef>
+          <a:fontRef idx="minor">
+            <a:schemeClr val="tx1"/>
+          </a:fontRef>
+        </p:style>
+      </p:cxnSp>
+      <p:cxnSp>
+        <p:nvCxnSpPr>
+          <p:cNvPr id="20" name="直線矢印コネクタ 19">
+            <a:extLst>
+              <a:ext uri="{FF2B5EF4-FFF2-40B4-BE49-F238E27FC236}">
+                <a16:creationId xmlns:a16="http://schemas.microsoft.com/office/drawing/2014/main" id="{442FD268-DE2D-7612-9188-56A8925F3B22}"/>
+              </a:ext>
+            </a:extLst>
+          </p:cNvPr>
+          <p:cNvCxnSpPr>
+            <a:cxnSpLocks/>
+          </p:cNvCxnSpPr>
+          <p:nvPr/>
+        </p:nvCxnSpPr>
+        <p:spPr>
+          <a:xfrm flipV="1">
+            <a:off x="7780375" y="3462916"/>
+            <a:ext cx="466087" cy="16329"/>
+          </a:xfrm>
+          <a:prstGeom prst="straightConnector1">
+            <a:avLst/>
+          </a:prstGeom>
+          <a:ln>
+            <a:solidFill>
+              <a:srgbClr val="FF0000"/>
+            </a:solidFill>
+            <a:tailEnd type="triangle"/>
+          </a:ln>
+        </p:spPr>
+        <p:style>
+          <a:lnRef idx="1">
+            <a:schemeClr val="accent1"/>
+          </a:lnRef>
+          <a:fillRef idx="0">
+            <a:schemeClr val="accent1"/>
+          </a:fillRef>
+          <a:effectRef idx="0">
+            <a:schemeClr val="accent1"/>
+          </a:effectRef>
+          <a:fontRef idx="minor">
+            <a:schemeClr val="tx1"/>
+          </a:fontRef>
+        </p:style>
+      </p:cxnSp>
+      <p:cxnSp>
+        <p:nvCxnSpPr>
+          <p:cNvPr id="23" name="直線矢印コネクタ 22">
+            <a:extLst>
+              <a:ext uri="{FF2B5EF4-FFF2-40B4-BE49-F238E27FC236}">
+                <a16:creationId xmlns:a16="http://schemas.microsoft.com/office/drawing/2014/main" id="{15F02F2A-4DBC-9089-A6D6-153F098C2351}"/>
+              </a:ext>
+            </a:extLst>
+          </p:cNvPr>
+          <p:cNvCxnSpPr>
+            <a:cxnSpLocks/>
+          </p:cNvCxnSpPr>
+          <p:nvPr/>
+        </p:nvCxnSpPr>
+        <p:spPr>
+          <a:xfrm>
+            <a:off x="7780375" y="3479245"/>
+            <a:ext cx="427318" cy="350367"/>
+          </a:xfrm>
+          <a:prstGeom prst="straightConnector1">
+            <a:avLst/>
+          </a:prstGeom>
+          <a:ln>
+            <a:solidFill>
+              <a:srgbClr val="FF0000"/>
+            </a:solidFill>
+            <a:tailEnd type="triangle"/>
+          </a:ln>
+        </p:spPr>
+        <p:style>
+          <a:lnRef idx="1">
+            <a:schemeClr val="accent1"/>
+          </a:lnRef>
+          <a:fillRef idx="0">
+            <a:schemeClr val="accent1"/>
+          </a:fillRef>
+          <a:effectRef idx="0">
+            <a:schemeClr val="accent1"/>
+          </a:effectRef>
+          <a:fontRef idx="minor">
+            <a:schemeClr val="tx1"/>
+          </a:fontRef>
+        </p:style>
+      </p:cxnSp>
     </p:spTree>
     <p:extLst>
       <p:ext uri="{BB962C8B-B14F-4D97-AF65-F5344CB8AC3E}">
@@ -20419,7 +20400,7 @@
                   <a:schemeClr val="tx1"/>
                 </a:solidFill>
               </a:rPr>
-              <a:t>ふとしの悩み：続かない</a:t>
+              <a:t>ふとしの悩み①：続かない</a:t>
             </a:r>
           </a:p>
         </p:txBody>
@@ -20960,7 +20941,7 @@
           <a:lstStyle/>
           <a:p>
             <a:r>
-              <a:rPr lang="ja-JP" altLang="en-US" sz="4400" dirty="0">
+              <a:rPr lang="ja-JP" altLang="en-US" dirty="0">
                 <a:solidFill>
                   <a:schemeClr val="tx1"/>
                 </a:solidFill>
@@ -20968,12 +20949,12 @@
               <a:t>ふとし</a:t>
             </a:r>
             <a:r>
-              <a:rPr kumimoji="1" lang="ja-JP" altLang="en-US" sz="4400" dirty="0">
+              <a:rPr kumimoji="1" lang="ja-JP" altLang="en-US" dirty="0">
                 <a:solidFill>
                   <a:schemeClr val="tx1"/>
                 </a:solidFill>
               </a:rPr>
-              <a:t>の悩み：続かない</a:t>
+              <a:t>の悩み①：続かない</a:t>
             </a:r>
           </a:p>
         </p:txBody>
@@ -21345,7 +21326,7 @@
           <a:lstStyle/>
           <a:p>
             <a:r>
-              <a:rPr lang="ja-JP" altLang="en-US" sz="3200" dirty="0">
+              <a:rPr lang="ja-JP" altLang="en-US" dirty="0">
                 <a:solidFill>
                   <a:schemeClr val="tx1"/>
                 </a:solidFill>
@@ -21353,12 +21334,12 @@
               <a:t>ふとし</a:t>
             </a:r>
             <a:r>
-              <a:rPr kumimoji="1" lang="ja-JP" altLang="en-US" sz="3200" dirty="0">
+              <a:rPr kumimoji="1" lang="ja-JP" altLang="en-US" dirty="0">
                 <a:solidFill>
                   <a:schemeClr val="tx1"/>
                 </a:solidFill>
               </a:rPr>
-              <a:t>の悩み：実感がない</a:t>
+              <a:t>の悩み②：実感がない</a:t>
             </a:r>
           </a:p>
         </p:txBody>

--- a/C5_配布資料/0630_C-5 _発表資料.pptx
+++ b/C5_配布資料/0630_C-5 _発表資料.pptx
@@ -12,9 +12,9 @@
     <p:sldId id="257" r:id="rId3"/>
     <p:sldId id="305" r:id="rId4"/>
     <p:sldId id="259" r:id="rId5"/>
-    <p:sldId id="314" r:id="rId6"/>
-    <p:sldId id="293" r:id="rId7"/>
-    <p:sldId id="294" r:id="rId8"/>
+    <p:sldId id="293" r:id="rId6"/>
+    <p:sldId id="294" r:id="rId7"/>
+    <p:sldId id="314" r:id="rId8"/>
     <p:sldId id="295" r:id="rId9"/>
     <p:sldId id="300" r:id="rId10"/>
     <p:sldId id="301" r:id="rId11"/>
@@ -965,7 +965,7 @@
                 <a:tabLst/>
                 <a:defRPr/>
               </a:pPr>
-              <a:t>5</a:t>
+              <a:t>7</a:t>
             </a:fld>
             <a:endParaRPr kumimoji="1" lang="ja-JP" altLang="en-US" sz="1200" b="0" i="0" u="none" strike="noStrike" kern="1200" cap="none" spc="0" normalizeH="0" baseline="0" noProof="0">
               <a:ln>
@@ -18013,7 +18013,7 @@
             <p:ph idx="1"/>
             <p:extLst>
               <p:ext uri="{D42A27DB-BD31-4B8C-83A1-F6EECF244321}">
-                <p14:modId xmlns:p14="http://schemas.microsoft.com/office/powerpoint/2010/main" val="295671917"/>
+                <p14:modId xmlns:p14="http://schemas.microsoft.com/office/powerpoint/2010/main" val="4242648257"/>
               </p:ext>
             </p:extLst>
           </p:nvPr>
@@ -18879,579 +18879,6 @@
 <file path=ppt/slides/slide5.xml><?xml version="1.0" encoding="utf-8"?>
 <p:sld xmlns:a="http://schemas.openxmlformats.org/drawingml/2006/main" xmlns:r="http://schemas.openxmlformats.org/officeDocument/2006/relationships" xmlns:p="http://schemas.openxmlformats.org/presentationml/2006/main">
   <p:cSld>
-    <p:spTree>
-      <p:nvGrpSpPr>
-        <p:cNvPr id="1" name=""/>
-        <p:cNvGrpSpPr/>
-        <p:nvPr/>
-      </p:nvGrpSpPr>
-      <p:grpSpPr>
-        <a:xfrm>
-          <a:off x="0" y="0"/>
-          <a:ext cx="0" cy="0"/>
-          <a:chOff x="0" y="0"/>
-          <a:chExt cx="0" cy="0"/>
-        </a:xfrm>
-      </p:grpSpPr>
-      <p:pic>
-        <p:nvPicPr>
-          <p:cNvPr id="26" name="グラフィックス 25" descr="更新 単色塗りつぶし">
-            <a:extLst>
-              <a:ext uri="{FF2B5EF4-FFF2-40B4-BE49-F238E27FC236}">
-                <a16:creationId xmlns:a16="http://schemas.microsoft.com/office/drawing/2014/main" id="{56B49739-3572-B0D2-461A-594CF0341044}"/>
-              </a:ext>
-            </a:extLst>
-          </p:cNvPr>
-          <p:cNvPicPr>
-            <a:picLocks noChangeAspect="1"/>
-          </p:cNvPicPr>
-          <p:nvPr/>
-        </p:nvPicPr>
-        <p:blipFill>
-          <a:blip r:embed="rId3">
-            <a:extLst>
-              <a:ext uri="{28A0092B-C50C-407E-A947-70E740481C1C}">
-                <a14:useLocalDpi xmlns:a14="http://schemas.microsoft.com/office/drawing/2010/main" val="0"/>
-              </a:ext>
-              <a:ext uri="{96DAC541-7B7A-43D3-8B79-37D633B846F1}">
-                <asvg:svgBlip xmlns:asvg="http://schemas.microsoft.com/office/drawing/2016/SVG/main" r:embed="rId4"/>
-              </a:ext>
-            </a:extLst>
-          </a:blip>
-          <a:stretch>
-            <a:fillRect/>
-          </a:stretch>
-        </p:blipFill>
-        <p:spPr>
-          <a:xfrm rot="5400000" flipH="1">
-            <a:off x="3083426" y="861879"/>
-            <a:ext cx="5671891" cy="5671891"/>
-          </a:xfrm>
-          <a:prstGeom prst="rect">
-            <a:avLst/>
-          </a:prstGeom>
-        </p:spPr>
-      </p:pic>
-      <p:sp>
-        <p:nvSpPr>
-          <p:cNvPr id="2" name="タイトル 1">
-            <a:extLst>
-              <a:ext uri="{FF2B5EF4-FFF2-40B4-BE49-F238E27FC236}">
-                <a16:creationId xmlns:a16="http://schemas.microsoft.com/office/drawing/2014/main" id="{D97F6D55-FD0E-061B-EF08-679126ADF59C}"/>
-              </a:ext>
-            </a:extLst>
-          </p:cNvPr>
-          <p:cNvSpPr>
-            <a:spLocks noGrp="1"/>
-          </p:cNvSpPr>
-          <p:nvPr>
-            <p:ph type="title"/>
-          </p:nvPr>
-        </p:nvSpPr>
-        <p:spPr>
-          <a:xfrm>
-            <a:off x="677334" y="266443"/>
-            <a:ext cx="8596668" cy="1001827"/>
-          </a:xfrm>
-        </p:spPr>
-        <p:txBody>
-          <a:bodyPr>
-            <a:normAutofit fontScale="90000"/>
-          </a:bodyPr>
-          <a:lstStyle/>
-          <a:p>
-            <a:r>
-              <a:rPr kumimoji="1" lang="ja-JP" altLang="en-US" sz="2700" dirty="0">
-                <a:solidFill>
-                  <a:schemeClr val="accent2"/>
-                </a:solidFill>
-              </a:rPr>
-              <a:t>仕様</a:t>
-            </a:r>
-            <a:br>
-              <a:rPr kumimoji="1" lang="en-US" altLang="ja-JP" dirty="0"/>
-            </a:br>
-            <a:r>
-              <a:rPr kumimoji="1" lang="ja-JP" altLang="en-US" dirty="0">
-                <a:solidFill>
-                  <a:schemeClr val="tx1"/>
-                </a:solidFill>
-              </a:rPr>
-              <a:t>システムの流れ</a:t>
-            </a:r>
-          </a:p>
-        </p:txBody>
-      </p:sp>
-      <p:sp>
-        <p:nvSpPr>
-          <p:cNvPr id="5" name="フローチャート: 代替処理 4">
-            <a:extLst>
-              <a:ext uri="{FF2B5EF4-FFF2-40B4-BE49-F238E27FC236}">
-                <a16:creationId xmlns:a16="http://schemas.microsoft.com/office/drawing/2014/main" id="{0E5F7FFB-330C-123D-CA0E-47AE8E39F726}"/>
-              </a:ext>
-            </a:extLst>
-          </p:cNvPr>
-          <p:cNvSpPr/>
-          <p:nvPr/>
-        </p:nvSpPr>
-        <p:spPr>
-          <a:xfrm>
-            <a:off x="3773222" y="1268270"/>
-            <a:ext cx="2855913" cy="1140798"/>
-          </a:xfrm>
-          <a:prstGeom prst="flowChartAlternateProcess">
-            <a:avLst/>
-          </a:prstGeom>
-          <a:solidFill>
-            <a:schemeClr val="accent1"/>
-          </a:solidFill>
-          <a:ln>
-            <a:solidFill>
-              <a:srgbClr val="0070C0"/>
-            </a:solidFill>
-          </a:ln>
-        </p:spPr>
-        <p:style>
-          <a:lnRef idx="0">
-            <a:scrgbClr r="0" g="0" b="0"/>
-          </a:lnRef>
-          <a:fillRef idx="0">
-            <a:scrgbClr r="0" g="0" b="0"/>
-          </a:fillRef>
-          <a:effectRef idx="0">
-            <a:scrgbClr r="0" g="0" b="0"/>
-          </a:effectRef>
-          <a:fontRef idx="minor">
-            <a:schemeClr val="lt1"/>
-          </a:fontRef>
-        </p:style>
-        <p:txBody>
-          <a:bodyPr rtlCol="0" anchor="ctr"/>
-          <a:lstStyle/>
-          <a:p>
-            <a:pPr marL="0" marR="0" lvl="0" indent="0" algn="ctr" defTabSz="457200" rtl="0" eaLnBrk="1" fontAlgn="auto" latinLnBrk="0" hangingPunct="1">
-              <a:lnSpc>
-                <a:spcPct val="100000"/>
-              </a:lnSpc>
-              <a:spcBef>
-                <a:spcPts val="0"/>
-              </a:spcBef>
-              <a:spcAft>
-                <a:spcPts val="0"/>
-              </a:spcAft>
-              <a:buClrTx/>
-              <a:buSzTx/>
-              <a:buFontTx/>
-              <a:buNone/>
-              <a:tabLst/>
-              <a:defRPr/>
-            </a:pPr>
-            <a:r>
-              <a:rPr kumimoji="1" lang="ja-JP" altLang="en-US" sz="1800" b="1" i="0" u="none" strike="noStrike" kern="1200" cap="none" spc="0" normalizeH="0" baseline="0" noProof="0" dirty="0">
-                <a:ln>
-                  <a:noFill/>
-                </a:ln>
-                <a:solidFill>
-                  <a:sysClr val="windowText" lastClr="000000"/>
-                </a:solidFill>
-                <a:effectLst/>
-                <a:uLnTx/>
-                <a:uFillTx/>
-                <a:latin typeface="Trebuchet MS" panose="020B0603020202020204"/>
-                <a:ea typeface="メイリオ" panose="020B0604030504040204" pitchFamily="50" charset="-128"/>
-                <a:cs typeface="+mn-cs"/>
-              </a:rPr>
-              <a:t>長期目標選択</a:t>
-            </a:r>
-          </a:p>
-        </p:txBody>
-      </p:sp>
-      <p:sp>
-        <p:nvSpPr>
-          <p:cNvPr id="6" name="フローチャート: 代替処理 5">
-            <a:extLst>
-              <a:ext uri="{FF2B5EF4-FFF2-40B4-BE49-F238E27FC236}">
-                <a16:creationId xmlns:a16="http://schemas.microsoft.com/office/drawing/2014/main" id="{1D448DB6-9846-AFC5-2E71-703C29622289}"/>
-              </a:ext>
-            </a:extLst>
-          </p:cNvPr>
-          <p:cNvSpPr/>
-          <p:nvPr/>
-        </p:nvSpPr>
-        <p:spPr>
-          <a:xfrm>
-            <a:off x="6096000" y="3479243"/>
-            <a:ext cx="2930851" cy="1287185"/>
-          </a:xfrm>
-          <a:prstGeom prst="flowChartAlternateProcess">
-            <a:avLst/>
-          </a:prstGeom>
-        </p:spPr>
-        <p:style>
-          <a:lnRef idx="2">
-            <a:schemeClr val="accent1">
-              <a:shade val="50000"/>
-            </a:schemeClr>
-          </a:lnRef>
-          <a:fillRef idx="1">
-            <a:schemeClr val="accent1"/>
-          </a:fillRef>
-          <a:effectRef idx="0">
-            <a:schemeClr val="accent1"/>
-          </a:effectRef>
-          <a:fontRef idx="minor">
-            <a:schemeClr val="lt1"/>
-          </a:fontRef>
-        </p:style>
-        <p:txBody>
-          <a:bodyPr rtlCol="0" anchor="ctr"/>
-          <a:lstStyle/>
-          <a:p>
-            <a:pPr marL="0" marR="0" lvl="0" indent="0" algn="ctr" defTabSz="457200" rtl="0" eaLnBrk="1" fontAlgn="auto" latinLnBrk="0" hangingPunct="1">
-              <a:lnSpc>
-                <a:spcPct val="100000"/>
-              </a:lnSpc>
-              <a:spcBef>
-                <a:spcPts val="0"/>
-              </a:spcBef>
-              <a:spcAft>
-                <a:spcPts val="0"/>
-              </a:spcAft>
-              <a:buClrTx/>
-              <a:buSzTx/>
-              <a:buFontTx/>
-              <a:buNone/>
-              <a:tabLst/>
-              <a:defRPr/>
-            </a:pPr>
-            <a:r>
-              <a:rPr kumimoji="1" lang="ja-JP" altLang="en-US" sz="2000" b="1" i="0" u="none" strike="noStrike" kern="1200" cap="none" spc="0" normalizeH="0" baseline="0" noProof="0" dirty="0">
-                <a:ln>
-                  <a:noFill/>
-                </a:ln>
-                <a:solidFill>
-                  <a:prstClr val="black"/>
-                </a:solidFill>
-                <a:effectLst/>
-                <a:uLnTx/>
-                <a:uFillTx/>
-                <a:latin typeface="Trebuchet MS" panose="020B0603020202020204"/>
-                <a:ea typeface="メイリオ" panose="020B0604030504040204" pitchFamily="50" charset="-128"/>
-                <a:cs typeface="+mn-cs"/>
-              </a:rPr>
-              <a:t>長</a:t>
-            </a:r>
-            <a:r>
-              <a:rPr kumimoji="1" lang="ja-JP" altLang="en-US" sz="2000" b="1" i="0" u="none" strike="noStrike" kern="1200" cap="none" spc="0" normalizeH="0" baseline="0" noProof="0" dirty="0">
-                <a:ln>
-                  <a:noFill/>
-                </a:ln>
-                <a:solidFill>
-                  <a:sysClr val="windowText" lastClr="000000"/>
-                </a:solidFill>
-                <a:effectLst/>
-                <a:uLnTx/>
-                <a:uFillTx/>
-                <a:latin typeface="Trebuchet MS" panose="020B0603020202020204"/>
-                <a:ea typeface="メイリオ" panose="020B0604030504040204" pitchFamily="50" charset="-128"/>
-                <a:cs typeface="+mn-cs"/>
-              </a:rPr>
-              <a:t>期目標 </a:t>
-            </a:r>
-            <a:r>
-              <a:rPr kumimoji="1" lang="ja-JP" altLang="en-US" sz="2000" b="1" i="0" u="none" strike="noStrike" kern="1200" cap="none" spc="0" normalizeH="0" baseline="0" noProof="0" dirty="0">
-                <a:ln>
-                  <a:noFill/>
-                </a:ln>
-                <a:solidFill>
-                  <a:prstClr val="black"/>
-                </a:solidFill>
-                <a:effectLst/>
-                <a:uLnTx/>
-                <a:uFillTx/>
-                <a:latin typeface="Trebuchet MS" panose="020B0603020202020204"/>
-                <a:ea typeface="メイリオ" panose="020B0604030504040204" pitchFamily="50" charset="-128"/>
-                <a:cs typeface="+mn-cs"/>
-              </a:rPr>
-              <a:t>達成</a:t>
-            </a:r>
-          </a:p>
-        </p:txBody>
-      </p:sp>
-      <p:sp>
-        <p:nvSpPr>
-          <p:cNvPr id="7" name="フローチャート: 代替処理 6">
-            <a:extLst>
-              <a:ext uri="{FF2B5EF4-FFF2-40B4-BE49-F238E27FC236}">
-                <a16:creationId xmlns:a16="http://schemas.microsoft.com/office/drawing/2014/main" id="{7004619C-6107-0A36-0410-A87D368E2E03}"/>
-              </a:ext>
-            </a:extLst>
-          </p:cNvPr>
-          <p:cNvSpPr/>
-          <p:nvPr/>
-        </p:nvSpPr>
-        <p:spPr>
-          <a:xfrm>
-            <a:off x="2811892" y="3181113"/>
-            <a:ext cx="1922660" cy="855599"/>
-          </a:xfrm>
-          <a:prstGeom prst="flowChartAlternateProcess">
-            <a:avLst/>
-          </a:prstGeom>
-          <a:solidFill>
-            <a:schemeClr val="accent1">
-              <a:lumMod val="20000"/>
-              <a:lumOff val="80000"/>
-            </a:schemeClr>
-          </a:solidFill>
-        </p:spPr>
-        <p:style>
-          <a:lnRef idx="2">
-            <a:schemeClr val="accent1">
-              <a:shade val="50000"/>
-            </a:schemeClr>
-          </a:lnRef>
-          <a:fillRef idx="1">
-            <a:schemeClr val="accent1"/>
-          </a:fillRef>
-          <a:effectRef idx="0">
-            <a:schemeClr val="accent1"/>
-          </a:effectRef>
-          <a:fontRef idx="minor">
-            <a:schemeClr val="lt1"/>
-          </a:fontRef>
-        </p:style>
-        <p:txBody>
-          <a:bodyPr rtlCol="0" anchor="ctr"/>
-          <a:lstStyle/>
-          <a:p>
-            <a:pPr marL="0" marR="0" lvl="0" indent="0" algn="ctr" defTabSz="457200" rtl="0" eaLnBrk="1" fontAlgn="auto" latinLnBrk="0" hangingPunct="1">
-              <a:lnSpc>
-                <a:spcPct val="100000"/>
-              </a:lnSpc>
-              <a:spcBef>
-                <a:spcPts val="0"/>
-              </a:spcBef>
-              <a:spcAft>
-                <a:spcPts val="0"/>
-              </a:spcAft>
-              <a:buClrTx/>
-              <a:buSzTx/>
-              <a:buFontTx/>
-              <a:buNone/>
-              <a:tabLst/>
-              <a:defRPr/>
-            </a:pPr>
-            <a:r>
-              <a:rPr kumimoji="1" lang="ja-JP" altLang="en-US" sz="2000" b="1" i="0" u="none" strike="noStrike" kern="1200" cap="none" spc="0" normalizeH="0" baseline="0" noProof="0" dirty="0">
-                <a:ln>
-                  <a:noFill/>
-                </a:ln>
-                <a:solidFill>
-                  <a:prstClr val="black"/>
-                </a:solidFill>
-                <a:effectLst/>
-                <a:uLnTx/>
-                <a:uFillTx/>
-                <a:latin typeface="Trebuchet MS" panose="020B0603020202020204"/>
-                <a:ea typeface="メイリオ" panose="020B0604030504040204" pitchFamily="50" charset="-128"/>
-                <a:cs typeface="+mn-cs"/>
-              </a:rPr>
-              <a:t>短</a:t>
-            </a:r>
-            <a:r>
-              <a:rPr kumimoji="1" lang="ja-JP" altLang="en-US" sz="2000" b="1" i="0" u="none" strike="noStrike" kern="1200" cap="none" spc="0" normalizeH="0" baseline="0" noProof="0" dirty="0">
-                <a:ln>
-                  <a:noFill/>
-                </a:ln>
-                <a:solidFill>
-                  <a:sysClr val="windowText" lastClr="000000"/>
-                </a:solidFill>
-                <a:effectLst/>
-                <a:uLnTx/>
-                <a:uFillTx/>
-                <a:latin typeface="Trebuchet MS" panose="020B0603020202020204"/>
-                <a:ea typeface="メイリオ" panose="020B0604030504040204" pitchFamily="50" charset="-128"/>
-                <a:cs typeface="+mn-cs"/>
-              </a:rPr>
-              <a:t>期目標 </a:t>
-            </a:r>
-            <a:r>
-              <a:rPr kumimoji="1" lang="ja-JP" altLang="en-US" sz="2000" b="1" i="0" u="none" strike="noStrike" kern="1200" cap="none" spc="0" normalizeH="0" baseline="0" noProof="0" dirty="0">
-                <a:ln>
-                  <a:noFill/>
-                </a:ln>
-                <a:solidFill>
-                  <a:prstClr val="black"/>
-                </a:solidFill>
-                <a:effectLst/>
-                <a:uLnTx/>
-                <a:uFillTx/>
-                <a:latin typeface="Trebuchet MS" panose="020B0603020202020204"/>
-                <a:ea typeface="メイリオ" panose="020B0604030504040204" pitchFamily="50" charset="-128"/>
-                <a:cs typeface="+mn-cs"/>
-              </a:rPr>
-              <a:t>選択</a:t>
-            </a:r>
-          </a:p>
-        </p:txBody>
-      </p:sp>
-      <p:sp>
-        <p:nvSpPr>
-          <p:cNvPr id="9" name="フローチャート: 代替処理 8">
-            <a:extLst>
-              <a:ext uri="{FF2B5EF4-FFF2-40B4-BE49-F238E27FC236}">
-                <a16:creationId xmlns:a16="http://schemas.microsoft.com/office/drawing/2014/main" id="{D1EA9876-F811-E13D-974E-DE611AEB5222}"/>
-              </a:ext>
-            </a:extLst>
-          </p:cNvPr>
-          <p:cNvSpPr/>
-          <p:nvPr/>
-        </p:nvSpPr>
-        <p:spPr>
-          <a:xfrm>
-            <a:off x="2794359" y="4477896"/>
-            <a:ext cx="1922660" cy="855599"/>
-          </a:xfrm>
-          <a:prstGeom prst="flowChartAlternateProcess">
-            <a:avLst/>
-          </a:prstGeom>
-          <a:solidFill>
-            <a:schemeClr val="accent1">
-              <a:lumMod val="20000"/>
-              <a:lumOff val="80000"/>
-            </a:schemeClr>
-          </a:solidFill>
-        </p:spPr>
-        <p:style>
-          <a:lnRef idx="2">
-            <a:schemeClr val="accent1">
-              <a:shade val="50000"/>
-            </a:schemeClr>
-          </a:lnRef>
-          <a:fillRef idx="1">
-            <a:schemeClr val="accent1"/>
-          </a:fillRef>
-          <a:effectRef idx="0">
-            <a:schemeClr val="accent1"/>
-          </a:effectRef>
-          <a:fontRef idx="minor">
-            <a:schemeClr val="lt1"/>
-          </a:fontRef>
-        </p:style>
-        <p:txBody>
-          <a:bodyPr rtlCol="0" anchor="ctr"/>
-          <a:lstStyle/>
-          <a:p>
-            <a:pPr marL="0" marR="0" lvl="0" indent="0" algn="ctr" defTabSz="457200" rtl="0" eaLnBrk="1" fontAlgn="auto" latinLnBrk="0" hangingPunct="1">
-              <a:lnSpc>
-                <a:spcPct val="100000"/>
-              </a:lnSpc>
-              <a:spcBef>
-                <a:spcPts val="0"/>
-              </a:spcBef>
-              <a:spcAft>
-                <a:spcPts val="0"/>
-              </a:spcAft>
-              <a:buClrTx/>
-              <a:buSzTx/>
-              <a:buFontTx/>
-              <a:buNone/>
-              <a:tabLst/>
-              <a:defRPr/>
-            </a:pPr>
-            <a:r>
-              <a:rPr kumimoji="1" lang="ja-JP" altLang="en-US" sz="2000" b="1" i="0" u="none" strike="noStrike" kern="1200" cap="none" spc="0" normalizeH="0" baseline="0" noProof="0" dirty="0">
-                <a:ln>
-                  <a:noFill/>
-                </a:ln>
-                <a:solidFill>
-                  <a:sysClr val="windowText" lastClr="000000"/>
-                </a:solidFill>
-                <a:effectLst/>
-                <a:uLnTx/>
-                <a:uFillTx/>
-                <a:latin typeface="Trebuchet MS" panose="020B0603020202020204"/>
-                <a:ea typeface="メイリオ" panose="020B0604030504040204" pitchFamily="50" charset="-128"/>
-                <a:cs typeface="+mn-cs"/>
-              </a:rPr>
-              <a:t>達成可否 </a:t>
-            </a:r>
-            <a:r>
-              <a:rPr kumimoji="1" lang="ja-JP" altLang="en-US" sz="2000" b="1" i="0" u="none" strike="noStrike" kern="1200" cap="none" spc="0" normalizeH="0" baseline="0" noProof="0" dirty="0">
-                <a:ln>
-                  <a:noFill/>
-                </a:ln>
-                <a:solidFill>
-                  <a:prstClr val="black"/>
-                </a:solidFill>
-                <a:effectLst/>
-                <a:uLnTx/>
-                <a:uFillTx/>
-                <a:latin typeface="Trebuchet MS" panose="020B0603020202020204"/>
-                <a:ea typeface="メイリオ" panose="020B0604030504040204" pitchFamily="50" charset="-128"/>
-                <a:cs typeface="+mn-cs"/>
-              </a:rPr>
-              <a:t>報告</a:t>
-            </a:r>
-          </a:p>
-        </p:txBody>
-      </p:sp>
-      <p:pic>
-        <p:nvPicPr>
-          <p:cNvPr id="28" name="グラフィックス 27" descr="繰り返し 単色塗りつぶし">
-            <a:extLst>
-              <a:ext uri="{FF2B5EF4-FFF2-40B4-BE49-F238E27FC236}">
-                <a16:creationId xmlns:a16="http://schemas.microsoft.com/office/drawing/2014/main" id="{BEEB133D-248B-C402-8488-08C2C67CD4A4}"/>
-              </a:ext>
-            </a:extLst>
-          </p:cNvPr>
-          <p:cNvPicPr>
-            <a:picLocks noChangeAspect="1"/>
-          </p:cNvPicPr>
-          <p:nvPr/>
-        </p:nvPicPr>
-        <p:blipFill>
-          <a:blip r:embed="rId5">
-            <a:extLst>
-              <a:ext uri="{28A0092B-C50C-407E-A947-70E740481C1C}">
-                <a14:useLocalDpi xmlns:a14="http://schemas.microsoft.com/office/drawing/2010/main" val="0"/>
-              </a:ext>
-              <a:ext uri="{96DAC541-7B7A-43D3-8B79-37D633B846F1}">
-                <asvg:svgBlip xmlns:asvg="http://schemas.microsoft.com/office/drawing/2016/SVG/main" r:embed="rId6"/>
-              </a:ext>
-            </a:extLst>
-          </a:blip>
-          <a:stretch>
-            <a:fillRect/>
-          </a:stretch>
-        </p:blipFill>
-        <p:spPr>
-          <a:xfrm>
-            <a:off x="3246565" y="3748180"/>
-            <a:ext cx="1018248" cy="1018248"/>
-          </a:xfrm>
-          <a:prstGeom prst="rect">
-            <a:avLst/>
-          </a:prstGeom>
-        </p:spPr>
-      </p:pic>
-    </p:spTree>
-    <p:extLst>
-      <p:ext uri="{BB962C8B-B14F-4D97-AF65-F5344CB8AC3E}">
-        <p14:creationId xmlns:p14="http://schemas.microsoft.com/office/powerpoint/2010/main" val="2639477550"/>
-      </p:ext>
-    </p:extLst>
-  </p:cSld>
-  <p:clrMapOvr>
-    <a:masterClrMapping/>
-  </p:clrMapOvr>
-</p:sld>
-</file>
-
-<file path=ppt/slides/slide6.xml><?xml version="1.0" encoding="utf-8"?>
-<p:sld xmlns:a="http://schemas.openxmlformats.org/drawingml/2006/main" xmlns:r="http://schemas.openxmlformats.org/officeDocument/2006/relationships" xmlns:p="http://schemas.openxmlformats.org/presentationml/2006/main">
-  <p:cSld>
     <p:bg>
       <p:bgPr>
         <a:solidFill>
@@ -20335,6 +19762,129 @@
           </a:fontRef>
         </p:style>
       </p:cxnSp>
+      <p:cxnSp>
+        <p:nvCxnSpPr>
+          <p:cNvPr id="18" name="直線コネクタ 17">
+            <a:extLst>
+              <a:ext uri="{FF2B5EF4-FFF2-40B4-BE49-F238E27FC236}">
+                <a16:creationId xmlns:a16="http://schemas.microsoft.com/office/drawing/2014/main" id="{716BCEAF-6E38-475F-8302-F26A49BC33D0}"/>
+              </a:ext>
+            </a:extLst>
+          </p:cNvPr>
+          <p:cNvCxnSpPr/>
+          <p:nvPr/>
+        </p:nvCxnSpPr>
+        <p:spPr>
+          <a:xfrm>
+            <a:off x="1201003" y="2241645"/>
+            <a:ext cx="255896" cy="0"/>
+          </a:xfrm>
+          <a:prstGeom prst="line">
+            <a:avLst/>
+          </a:prstGeom>
+          <a:ln w="44450">
+            <a:solidFill>
+              <a:srgbClr val="FF0000"/>
+            </a:solidFill>
+          </a:ln>
+        </p:spPr>
+        <p:style>
+          <a:lnRef idx="1">
+            <a:schemeClr val="accent1"/>
+          </a:lnRef>
+          <a:fillRef idx="0">
+            <a:schemeClr val="accent1"/>
+          </a:fillRef>
+          <a:effectRef idx="0">
+            <a:schemeClr val="accent1"/>
+          </a:effectRef>
+          <a:fontRef idx="minor">
+            <a:schemeClr val="tx1"/>
+          </a:fontRef>
+        </p:style>
+      </p:cxnSp>
+      <p:cxnSp>
+        <p:nvCxnSpPr>
+          <p:cNvPr id="27" name="直線コネクタ 26">
+            <a:extLst>
+              <a:ext uri="{FF2B5EF4-FFF2-40B4-BE49-F238E27FC236}">
+                <a16:creationId xmlns:a16="http://schemas.microsoft.com/office/drawing/2014/main" id="{8C61D791-63DD-EC27-C5B3-D22560B3E227}"/>
+              </a:ext>
+            </a:extLst>
+          </p:cNvPr>
+          <p:cNvCxnSpPr/>
+          <p:nvPr/>
+        </p:nvCxnSpPr>
+        <p:spPr>
+          <a:xfrm>
+            <a:off x="5465076" y="2632235"/>
+            <a:ext cx="255896" cy="0"/>
+          </a:xfrm>
+          <a:prstGeom prst="line">
+            <a:avLst/>
+          </a:prstGeom>
+          <a:ln w="44450">
+            <a:solidFill>
+              <a:srgbClr val="FF0000"/>
+            </a:solidFill>
+          </a:ln>
+        </p:spPr>
+        <p:style>
+          <a:lnRef idx="1">
+            <a:schemeClr val="accent1"/>
+          </a:lnRef>
+          <a:fillRef idx="0">
+            <a:schemeClr val="accent1"/>
+          </a:fillRef>
+          <a:effectRef idx="0">
+            <a:schemeClr val="accent1"/>
+          </a:effectRef>
+          <a:fontRef idx="minor">
+            <a:schemeClr val="tx1"/>
+          </a:fontRef>
+        </p:style>
+      </p:cxnSp>
+      <p:cxnSp>
+        <p:nvCxnSpPr>
+          <p:cNvPr id="28" name="直線コネクタ 27">
+            <a:extLst>
+              <a:ext uri="{FF2B5EF4-FFF2-40B4-BE49-F238E27FC236}">
+                <a16:creationId xmlns:a16="http://schemas.microsoft.com/office/drawing/2014/main" id="{4A7F9632-6BB0-377C-1D0B-1E15FB96917D}"/>
+              </a:ext>
+            </a:extLst>
+          </p:cNvPr>
+          <p:cNvCxnSpPr/>
+          <p:nvPr/>
+        </p:nvCxnSpPr>
+        <p:spPr>
+          <a:xfrm>
+            <a:off x="9596652" y="2632235"/>
+            <a:ext cx="255896" cy="0"/>
+          </a:xfrm>
+          <a:prstGeom prst="line">
+            <a:avLst/>
+          </a:prstGeom>
+          <a:ln w="44450">
+            <a:solidFill>
+              <a:srgbClr val="FF0000"/>
+            </a:solidFill>
+          </a:ln>
+        </p:spPr>
+        <p:style>
+          <a:lnRef idx="1">
+            <a:schemeClr val="accent1"/>
+          </a:lnRef>
+          <a:fillRef idx="0">
+            <a:schemeClr val="accent1"/>
+          </a:fillRef>
+          <a:effectRef idx="0">
+            <a:schemeClr val="accent1"/>
+          </a:effectRef>
+          <a:fontRef idx="minor">
+            <a:schemeClr val="tx1"/>
+          </a:fontRef>
+        </p:style>
+      </p:cxnSp>
     </p:spTree>
     <p:extLst>
       <p:ext uri="{BB962C8B-B14F-4D97-AF65-F5344CB8AC3E}">
@@ -20348,7 +19898,7 @@
 </p:sld>
 </file>
 
-<file path=ppt/slides/slide7.xml><?xml version="1.0" encoding="utf-8"?>
+<file path=ppt/slides/slide6.xml><?xml version="1.0" encoding="utf-8"?>
 <p:sld xmlns:a="http://schemas.openxmlformats.org/drawingml/2006/main" xmlns:r="http://schemas.openxmlformats.org/officeDocument/2006/relationships" xmlns:p="http://schemas.openxmlformats.org/presentationml/2006/main">
   <p:cSld>
     <p:bg>
@@ -20884,6 +20434,579 @@
       <p:bldP spid="11" grpId="0" animBg="1"/>
     </p:bldLst>
   </p:timing>
+</p:sld>
+</file>
+
+<file path=ppt/slides/slide7.xml><?xml version="1.0" encoding="utf-8"?>
+<p:sld xmlns:a="http://schemas.openxmlformats.org/drawingml/2006/main" xmlns:r="http://schemas.openxmlformats.org/officeDocument/2006/relationships" xmlns:p="http://schemas.openxmlformats.org/presentationml/2006/main">
+  <p:cSld>
+    <p:spTree>
+      <p:nvGrpSpPr>
+        <p:cNvPr id="1" name=""/>
+        <p:cNvGrpSpPr/>
+        <p:nvPr/>
+      </p:nvGrpSpPr>
+      <p:grpSpPr>
+        <a:xfrm>
+          <a:off x="0" y="0"/>
+          <a:ext cx="0" cy="0"/>
+          <a:chOff x="0" y="0"/>
+          <a:chExt cx="0" cy="0"/>
+        </a:xfrm>
+      </p:grpSpPr>
+      <p:pic>
+        <p:nvPicPr>
+          <p:cNvPr id="26" name="グラフィックス 25" descr="更新 単色塗りつぶし">
+            <a:extLst>
+              <a:ext uri="{FF2B5EF4-FFF2-40B4-BE49-F238E27FC236}">
+                <a16:creationId xmlns:a16="http://schemas.microsoft.com/office/drawing/2014/main" id="{56B49739-3572-B0D2-461A-594CF0341044}"/>
+              </a:ext>
+            </a:extLst>
+          </p:cNvPr>
+          <p:cNvPicPr>
+            <a:picLocks noChangeAspect="1"/>
+          </p:cNvPicPr>
+          <p:nvPr/>
+        </p:nvPicPr>
+        <p:blipFill>
+          <a:blip r:embed="rId3">
+            <a:extLst>
+              <a:ext uri="{28A0092B-C50C-407E-A947-70E740481C1C}">
+                <a14:useLocalDpi xmlns:a14="http://schemas.microsoft.com/office/drawing/2010/main" val="0"/>
+              </a:ext>
+              <a:ext uri="{96DAC541-7B7A-43D3-8B79-37D633B846F1}">
+                <asvg:svgBlip xmlns:asvg="http://schemas.microsoft.com/office/drawing/2016/SVG/main" r:embed="rId4"/>
+              </a:ext>
+            </a:extLst>
+          </a:blip>
+          <a:stretch>
+            <a:fillRect/>
+          </a:stretch>
+        </p:blipFill>
+        <p:spPr>
+          <a:xfrm rot="5400000" flipH="1">
+            <a:off x="2917998" y="912234"/>
+            <a:ext cx="5671891" cy="5671891"/>
+          </a:xfrm>
+          <a:prstGeom prst="rect">
+            <a:avLst/>
+          </a:prstGeom>
+        </p:spPr>
+      </p:pic>
+      <p:sp>
+        <p:nvSpPr>
+          <p:cNvPr id="2" name="タイトル 1">
+            <a:extLst>
+              <a:ext uri="{FF2B5EF4-FFF2-40B4-BE49-F238E27FC236}">
+                <a16:creationId xmlns:a16="http://schemas.microsoft.com/office/drawing/2014/main" id="{D97F6D55-FD0E-061B-EF08-679126ADF59C}"/>
+              </a:ext>
+            </a:extLst>
+          </p:cNvPr>
+          <p:cNvSpPr>
+            <a:spLocks noGrp="1"/>
+          </p:cNvSpPr>
+          <p:nvPr>
+            <p:ph type="title"/>
+          </p:nvPr>
+        </p:nvSpPr>
+        <p:spPr>
+          <a:xfrm>
+            <a:off x="677334" y="266443"/>
+            <a:ext cx="8596668" cy="1001827"/>
+          </a:xfrm>
+        </p:spPr>
+        <p:txBody>
+          <a:bodyPr>
+            <a:normAutofit fontScale="90000"/>
+          </a:bodyPr>
+          <a:lstStyle/>
+          <a:p>
+            <a:r>
+              <a:rPr kumimoji="1" lang="ja-JP" altLang="en-US" sz="2700" dirty="0">
+                <a:solidFill>
+                  <a:schemeClr val="accent2"/>
+                </a:solidFill>
+              </a:rPr>
+              <a:t>仕様</a:t>
+            </a:r>
+            <a:br>
+              <a:rPr kumimoji="1" lang="en-US" altLang="ja-JP" dirty="0"/>
+            </a:br>
+            <a:r>
+              <a:rPr kumimoji="1" lang="ja-JP" altLang="en-US" dirty="0">
+                <a:solidFill>
+                  <a:schemeClr val="tx1"/>
+                </a:solidFill>
+              </a:rPr>
+              <a:t>システムの流れ</a:t>
+            </a:r>
+          </a:p>
+        </p:txBody>
+      </p:sp>
+      <p:sp>
+        <p:nvSpPr>
+          <p:cNvPr id="5" name="フローチャート: 代替処理 4">
+            <a:extLst>
+              <a:ext uri="{FF2B5EF4-FFF2-40B4-BE49-F238E27FC236}">
+                <a16:creationId xmlns:a16="http://schemas.microsoft.com/office/drawing/2014/main" id="{0E5F7FFB-330C-123D-CA0E-47AE8E39F726}"/>
+              </a:ext>
+            </a:extLst>
+          </p:cNvPr>
+          <p:cNvSpPr/>
+          <p:nvPr/>
+        </p:nvSpPr>
+        <p:spPr>
+          <a:xfrm>
+            <a:off x="3773222" y="1268270"/>
+            <a:ext cx="2855913" cy="1140798"/>
+          </a:xfrm>
+          <a:prstGeom prst="flowChartAlternateProcess">
+            <a:avLst/>
+          </a:prstGeom>
+          <a:solidFill>
+            <a:schemeClr val="accent1"/>
+          </a:solidFill>
+          <a:ln>
+            <a:solidFill>
+              <a:srgbClr val="0070C0"/>
+            </a:solidFill>
+          </a:ln>
+        </p:spPr>
+        <p:style>
+          <a:lnRef idx="0">
+            <a:scrgbClr r="0" g="0" b="0"/>
+          </a:lnRef>
+          <a:fillRef idx="0">
+            <a:scrgbClr r="0" g="0" b="0"/>
+          </a:fillRef>
+          <a:effectRef idx="0">
+            <a:scrgbClr r="0" g="0" b="0"/>
+          </a:effectRef>
+          <a:fontRef idx="minor">
+            <a:schemeClr val="lt1"/>
+          </a:fontRef>
+        </p:style>
+        <p:txBody>
+          <a:bodyPr rtlCol="0" anchor="ctr"/>
+          <a:lstStyle/>
+          <a:p>
+            <a:pPr marL="0" marR="0" lvl="0" indent="0" algn="ctr" defTabSz="457200" rtl="0" eaLnBrk="1" fontAlgn="auto" latinLnBrk="0" hangingPunct="1">
+              <a:lnSpc>
+                <a:spcPct val="100000"/>
+              </a:lnSpc>
+              <a:spcBef>
+                <a:spcPts val="0"/>
+              </a:spcBef>
+              <a:spcAft>
+                <a:spcPts val="0"/>
+              </a:spcAft>
+              <a:buClrTx/>
+              <a:buSzTx/>
+              <a:buFontTx/>
+              <a:buNone/>
+              <a:tabLst/>
+              <a:defRPr/>
+            </a:pPr>
+            <a:r>
+              <a:rPr kumimoji="1" lang="ja-JP" altLang="en-US" sz="1800" b="1" i="0" u="none" strike="noStrike" kern="1200" cap="none" spc="0" normalizeH="0" baseline="0" noProof="0" dirty="0">
+                <a:ln>
+                  <a:noFill/>
+                </a:ln>
+                <a:solidFill>
+                  <a:sysClr val="windowText" lastClr="000000"/>
+                </a:solidFill>
+                <a:effectLst/>
+                <a:uLnTx/>
+                <a:uFillTx/>
+                <a:latin typeface="Trebuchet MS" panose="020B0603020202020204"/>
+                <a:ea typeface="メイリオ" panose="020B0604030504040204" pitchFamily="50" charset="-128"/>
+                <a:cs typeface="+mn-cs"/>
+              </a:rPr>
+              <a:t>長期目標選択</a:t>
+            </a:r>
+          </a:p>
+        </p:txBody>
+      </p:sp>
+      <p:sp>
+        <p:nvSpPr>
+          <p:cNvPr id="6" name="フローチャート: 代替処理 5">
+            <a:extLst>
+              <a:ext uri="{FF2B5EF4-FFF2-40B4-BE49-F238E27FC236}">
+                <a16:creationId xmlns:a16="http://schemas.microsoft.com/office/drawing/2014/main" id="{1D448DB6-9846-AFC5-2E71-703C29622289}"/>
+              </a:ext>
+            </a:extLst>
+          </p:cNvPr>
+          <p:cNvSpPr/>
+          <p:nvPr/>
+        </p:nvSpPr>
+        <p:spPr>
+          <a:xfrm>
+            <a:off x="6096000" y="3479243"/>
+            <a:ext cx="2930851" cy="1287185"/>
+          </a:xfrm>
+          <a:prstGeom prst="flowChartAlternateProcess">
+            <a:avLst/>
+          </a:prstGeom>
+        </p:spPr>
+        <p:style>
+          <a:lnRef idx="2">
+            <a:schemeClr val="accent1">
+              <a:shade val="50000"/>
+            </a:schemeClr>
+          </a:lnRef>
+          <a:fillRef idx="1">
+            <a:schemeClr val="accent1"/>
+          </a:fillRef>
+          <a:effectRef idx="0">
+            <a:schemeClr val="accent1"/>
+          </a:effectRef>
+          <a:fontRef idx="minor">
+            <a:schemeClr val="lt1"/>
+          </a:fontRef>
+        </p:style>
+        <p:txBody>
+          <a:bodyPr rtlCol="0" anchor="ctr"/>
+          <a:lstStyle/>
+          <a:p>
+            <a:pPr marL="0" marR="0" lvl="0" indent="0" algn="ctr" defTabSz="457200" rtl="0" eaLnBrk="1" fontAlgn="auto" latinLnBrk="0" hangingPunct="1">
+              <a:lnSpc>
+                <a:spcPct val="100000"/>
+              </a:lnSpc>
+              <a:spcBef>
+                <a:spcPts val="0"/>
+              </a:spcBef>
+              <a:spcAft>
+                <a:spcPts val="0"/>
+              </a:spcAft>
+              <a:buClrTx/>
+              <a:buSzTx/>
+              <a:buFontTx/>
+              <a:buNone/>
+              <a:tabLst/>
+              <a:defRPr/>
+            </a:pPr>
+            <a:r>
+              <a:rPr kumimoji="1" lang="ja-JP" altLang="en-US" sz="2000" b="1" i="0" u="none" strike="noStrike" kern="1200" cap="none" spc="0" normalizeH="0" baseline="0" noProof="0" dirty="0">
+                <a:ln>
+                  <a:noFill/>
+                </a:ln>
+                <a:solidFill>
+                  <a:prstClr val="black"/>
+                </a:solidFill>
+                <a:effectLst/>
+                <a:uLnTx/>
+                <a:uFillTx/>
+                <a:latin typeface="Trebuchet MS" panose="020B0603020202020204"/>
+                <a:ea typeface="メイリオ" panose="020B0604030504040204" pitchFamily="50" charset="-128"/>
+                <a:cs typeface="+mn-cs"/>
+              </a:rPr>
+              <a:t>長</a:t>
+            </a:r>
+            <a:r>
+              <a:rPr kumimoji="1" lang="ja-JP" altLang="en-US" sz="2000" b="1" i="0" u="none" strike="noStrike" kern="1200" cap="none" spc="0" normalizeH="0" baseline="0" noProof="0" dirty="0">
+                <a:ln>
+                  <a:noFill/>
+                </a:ln>
+                <a:solidFill>
+                  <a:sysClr val="windowText" lastClr="000000"/>
+                </a:solidFill>
+                <a:effectLst/>
+                <a:uLnTx/>
+                <a:uFillTx/>
+                <a:latin typeface="Trebuchet MS" panose="020B0603020202020204"/>
+                <a:ea typeface="メイリオ" panose="020B0604030504040204" pitchFamily="50" charset="-128"/>
+                <a:cs typeface="+mn-cs"/>
+              </a:rPr>
+              <a:t>期目標 </a:t>
+            </a:r>
+            <a:r>
+              <a:rPr kumimoji="1" lang="ja-JP" altLang="en-US" sz="2000" b="1" i="0" u="none" strike="noStrike" kern="1200" cap="none" spc="0" normalizeH="0" baseline="0" noProof="0" dirty="0">
+                <a:ln>
+                  <a:noFill/>
+                </a:ln>
+                <a:solidFill>
+                  <a:prstClr val="black"/>
+                </a:solidFill>
+                <a:effectLst/>
+                <a:uLnTx/>
+                <a:uFillTx/>
+                <a:latin typeface="Trebuchet MS" panose="020B0603020202020204"/>
+                <a:ea typeface="メイリオ" panose="020B0604030504040204" pitchFamily="50" charset="-128"/>
+                <a:cs typeface="+mn-cs"/>
+              </a:rPr>
+              <a:t>達成</a:t>
+            </a:r>
+          </a:p>
+        </p:txBody>
+      </p:sp>
+      <p:sp>
+        <p:nvSpPr>
+          <p:cNvPr id="7" name="フローチャート: 代替処理 6">
+            <a:extLst>
+              <a:ext uri="{FF2B5EF4-FFF2-40B4-BE49-F238E27FC236}">
+                <a16:creationId xmlns:a16="http://schemas.microsoft.com/office/drawing/2014/main" id="{7004619C-6107-0A36-0410-A87D368E2E03}"/>
+              </a:ext>
+            </a:extLst>
+          </p:cNvPr>
+          <p:cNvSpPr/>
+          <p:nvPr/>
+        </p:nvSpPr>
+        <p:spPr>
+          <a:xfrm>
+            <a:off x="2811892" y="3181113"/>
+            <a:ext cx="1922660" cy="855599"/>
+          </a:xfrm>
+          <a:prstGeom prst="flowChartAlternateProcess">
+            <a:avLst/>
+          </a:prstGeom>
+          <a:solidFill>
+            <a:schemeClr val="accent1">
+              <a:lumMod val="20000"/>
+              <a:lumOff val="80000"/>
+            </a:schemeClr>
+          </a:solidFill>
+        </p:spPr>
+        <p:style>
+          <a:lnRef idx="2">
+            <a:schemeClr val="accent1">
+              <a:shade val="50000"/>
+            </a:schemeClr>
+          </a:lnRef>
+          <a:fillRef idx="1">
+            <a:schemeClr val="accent1"/>
+          </a:fillRef>
+          <a:effectRef idx="0">
+            <a:schemeClr val="accent1"/>
+          </a:effectRef>
+          <a:fontRef idx="minor">
+            <a:schemeClr val="lt1"/>
+          </a:fontRef>
+        </p:style>
+        <p:txBody>
+          <a:bodyPr rtlCol="0" anchor="ctr"/>
+          <a:lstStyle/>
+          <a:p>
+            <a:pPr marL="0" marR="0" lvl="0" indent="0" algn="ctr" defTabSz="457200" rtl="0" eaLnBrk="1" fontAlgn="auto" latinLnBrk="0" hangingPunct="1">
+              <a:lnSpc>
+                <a:spcPct val="100000"/>
+              </a:lnSpc>
+              <a:spcBef>
+                <a:spcPts val="0"/>
+              </a:spcBef>
+              <a:spcAft>
+                <a:spcPts val="0"/>
+              </a:spcAft>
+              <a:buClrTx/>
+              <a:buSzTx/>
+              <a:buFontTx/>
+              <a:buNone/>
+              <a:tabLst/>
+              <a:defRPr/>
+            </a:pPr>
+            <a:r>
+              <a:rPr kumimoji="1" lang="ja-JP" altLang="en-US" sz="2000" b="1" i="0" u="none" strike="noStrike" kern="1200" cap="none" spc="0" normalizeH="0" baseline="0" noProof="0" dirty="0">
+                <a:ln>
+                  <a:noFill/>
+                </a:ln>
+                <a:solidFill>
+                  <a:prstClr val="black"/>
+                </a:solidFill>
+                <a:effectLst/>
+                <a:uLnTx/>
+                <a:uFillTx/>
+                <a:latin typeface="Trebuchet MS" panose="020B0603020202020204"/>
+                <a:ea typeface="メイリオ" panose="020B0604030504040204" pitchFamily="50" charset="-128"/>
+                <a:cs typeface="+mn-cs"/>
+              </a:rPr>
+              <a:t>短</a:t>
+            </a:r>
+            <a:r>
+              <a:rPr kumimoji="1" lang="ja-JP" altLang="en-US" sz="2000" b="1" i="0" u="none" strike="noStrike" kern="1200" cap="none" spc="0" normalizeH="0" baseline="0" noProof="0" dirty="0">
+                <a:ln>
+                  <a:noFill/>
+                </a:ln>
+                <a:solidFill>
+                  <a:sysClr val="windowText" lastClr="000000"/>
+                </a:solidFill>
+                <a:effectLst/>
+                <a:uLnTx/>
+                <a:uFillTx/>
+                <a:latin typeface="Trebuchet MS" panose="020B0603020202020204"/>
+                <a:ea typeface="メイリオ" panose="020B0604030504040204" pitchFamily="50" charset="-128"/>
+                <a:cs typeface="+mn-cs"/>
+              </a:rPr>
+              <a:t>期目標 </a:t>
+            </a:r>
+            <a:r>
+              <a:rPr kumimoji="1" lang="ja-JP" altLang="en-US" sz="2000" b="1" i="0" u="none" strike="noStrike" kern="1200" cap="none" spc="0" normalizeH="0" baseline="0" noProof="0" dirty="0">
+                <a:ln>
+                  <a:noFill/>
+                </a:ln>
+                <a:solidFill>
+                  <a:prstClr val="black"/>
+                </a:solidFill>
+                <a:effectLst/>
+                <a:uLnTx/>
+                <a:uFillTx/>
+                <a:latin typeface="Trebuchet MS" panose="020B0603020202020204"/>
+                <a:ea typeface="メイリオ" panose="020B0604030504040204" pitchFamily="50" charset="-128"/>
+                <a:cs typeface="+mn-cs"/>
+              </a:rPr>
+              <a:t>選択</a:t>
+            </a:r>
+          </a:p>
+        </p:txBody>
+      </p:sp>
+      <p:sp>
+        <p:nvSpPr>
+          <p:cNvPr id="9" name="フローチャート: 代替処理 8">
+            <a:extLst>
+              <a:ext uri="{FF2B5EF4-FFF2-40B4-BE49-F238E27FC236}">
+                <a16:creationId xmlns:a16="http://schemas.microsoft.com/office/drawing/2014/main" id="{D1EA9876-F811-E13D-974E-DE611AEB5222}"/>
+              </a:ext>
+            </a:extLst>
+          </p:cNvPr>
+          <p:cNvSpPr/>
+          <p:nvPr/>
+        </p:nvSpPr>
+        <p:spPr>
+          <a:xfrm>
+            <a:off x="2794359" y="4477896"/>
+            <a:ext cx="1922660" cy="855599"/>
+          </a:xfrm>
+          <a:prstGeom prst="flowChartAlternateProcess">
+            <a:avLst/>
+          </a:prstGeom>
+          <a:solidFill>
+            <a:schemeClr val="accent1">
+              <a:lumMod val="20000"/>
+              <a:lumOff val="80000"/>
+            </a:schemeClr>
+          </a:solidFill>
+        </p:spPr>
+        <p:style>
+          <a:lnRef idx="2">
+            <a:schemeClr val="accent1">
+              <a:shade val="50000"/>
+            </a:schemeClr>
+          </a:lnRef>
+          <a:fillRef idx="1">
+            <a:schemeClr val="accent1"/>
+          </a:fillRef>
+          <a:effectRef idx="0">
+            <a:schemeClr val="accent1"/>
+          </a:effectRef>
+          <a:fontRef idx="minor">
+            <a:schemeClr val="lt1"/>
+          </a:fontRef>
+        </p:style>
+        <p:txBody>
+          <a:bodyPr rtlCol="0" anchor="ctr"/>
+          <a:lstStyle/>
+          <a:p>
+            <a:pPr marL="0" marR="0" lvl="0" indent="0" algn="ctr" defTabSz="457200" rtl="0" eaLnBrk="1" fontAlgn="auto" latinLnBrk="0" hangingPunct="1">
+              <a:lnSpc>
+                <a:spcPct val="100000"/>
+              </a:lnSpc>
+              <a:spcBef>
+                <a:spcPts val="0"/>
+              </a:spcBef>
+              <a:spcAft>
+                <a:spcPts val="0"/>
+              </a:spcAft>
+              <a:buClrTx/>
+              <a:buSzTx/>
+              <a:buFontTx/>
+              <a:buNone/>
+              <a:tabLst/>
+              <a:defRPr/>
+            </a:pPr>
+            <a:r>
+              <a:rPr kumimoji="1" lang="ja-JP" altLang="en-US" sz="2000" b="1" i="0" u="none" strike="noStrike" kern="1200" cap="none" spc="0" normalizeH="0" baseline="0" noProof="0" dirty="0">
+                <a:ln>
+                  <a:noFill/>
+                </a:ln>
+                <a:solidFill>
+                  <a:sysClr val="windowText" lastClr="000000"/>
+                </a:solidFill>
+                <a:effectLst/>
+                <a:uLnTx/>
+                <a:uFillTx/>
+                <a:latin typeface="Trebuchet MS" panose="020B0603020202020204"/>
+                <a:ea typeface="メイリオ" panose="020B0604030504040204" pitchFamily="50" charset="-128"/>
+                <a:cs typeface="+mn-cs"/>
+              </a:rPr>
+              <a:t>達成可否 </a:t>
+            </a:r>
+            <a:r>
+              <a:rPr kumimoji="1" lang="ja-JP" altLang="en-US" sz="2000" b="1" i="0" u="none" strike="noStrike" kern="1200" cap="none" spc="0" normalizeH="0" baseline="0" noProof="0" dirty="0">
+                <a:ln>
+                  <a:noFill/>
+                </a:ln>
+                <a:solidFill>
+                  <a:prstClr val="black"/>
+                </a:solidFill>
+                <a:effectLst/>
+                <a:uLnTx/>
+                <a:uFillTx/>
+                <a:latin typeface="Trebuchet MS" panose="020B0603020202020204"/>
+                <a:ea typeface="メイリオ" panose="020B0604030504040204" pitchFamily="50" charset="-128"/>
+                <a:cs typeface="+mn-cs"/>
+              </a:rPr>
+              <a:t>報告</a:t>
+            </a:r>
+          </a:p>
+        </p:txBody>
+      </p:sp>
+      <p:pic>
+        <p:nvPicPr>
+          <p:cNvPr id="28" name="グラフィックス 27" descr="繰り返し 単色塗りつぶし">
+            <a:extLst>
+              <a:ext uri="{FF2B5EF4-FFF2-40B4-BE49-F238E27FC236}">
+                <a16:creationId xmlns:a16="http://schemas.microsoft.com/office/drawing/2014/main" id="{BEEB133D-248B-C402-8488-08C2C67CD4A4}"/>
+              </a:ext>
+            </a:extLst>
+          </p:cNvPr>
+          <p:cNvPicPr>
+            <a:picLocks noChangeAspect="1"/>
+          </p:cNvPicPr>
+          <p:nvPr/>
+        </p:nvPicPr>
+        <p:blipFill>
+          <a:blip r:embed="rId5">
+            <a:extLst>
+              <a:ext uri="{28A0092B-C50C-407E-A947-70E740481C1C}">
+                <a14:useLocalDpi xmlns:a14="http://schemas.microsoft.com/office/drawing/2010/main" val="0"/>
+              </a:ext>
+              <a:ext uri="{96DAC541-7B7A-43D3-8B79-37D633B846F1}">
+                <asvg:svgBlip xmlns:asvg="http://schemas.microsoft.com/office/drawing/2016/SVG/main" r:embed="rId6"/>
+              </a:ext>
+            </a:extLst>
+          </a:blip>
+          <a:stretch>
+            <a:fillRect/>
+          </a:stretch>
+        </p:blipFill>
+        <p:spPr>
+          <a:xfrm>
+            <a:off x="3246565" y="3748180"/>
+            <a:ext cx="1018248" cy="1018248"/>
+          </a:xfrm>
+          <a:prstGeom prst="rect">
+            <a:avLst/>
+          </a:prstGeom>
+        </p:spPr>
+      </p:pic>
+    </p:spTree>
+    <p:extLst>
+      <p:ext uri="{BB962C8B-B14F-4D97-AF65-F5344CB8AC3E}">
+        <p14:creationId xmlns:p14="http://schemas.microsoft.com/office/powerpoint/2010/main" val="2639477550"/>
+      </p:ext>
+    </p:extLst>
+  </p:cSld>
+  <p:clrMapOvr>
+    <a:masterClrMapping/>
+  </p:clrMapOvr>
 </p:sld>
 </file>
 
